--- a/slides/9_kmeans.pptx
+++ b/slides/9_kmeans.pptx
@@ -204,7 +204,7 @@
           <a:p>
             <a:fld id="{EFB1E590-4EA5-9045-A7CA-7348C7F3529C}" type="datetimeFigureOut">
               <a:rPr lang="en-US" smtClean="0"/>
-              <a:t>8/19/14</a:t>
+              <a:t>8/30/14</a:t>
             </a:fld>
             <a:endParaRPr lang="en-US"/>
           </a:p>
@@ -612,7 +612,6 @@
               <a:rPr lang="en-US" dirty="0" smtClean="0"/>
               <a:t>, the name for the regions that k-means clustering creates</a:t>
             </a:r>
-            <a:endParaRPr lang="en-US" dirty="0" smtClean="0"/>
           </a:p>
           <a:p>
             <a:pPr marL="0" marR="0" indent="0" algn="l" defTabSz="457200" rtl="0" eaLnBrk="1" fontAlgn="auto" latinLnBrk="0" hangingPunct="1">
@@ -692,11 +691,7 @@
             </a:pPr>
             <a:r>
               <a:rPr lang="en-US" i="0" baseline="0" dirty="0" smtClean="0"/>
-              <a:t>-and thus works to minimize </a:t>
-            </a:r>
-            <a:r>
-              <a:rPr lang="en-US" i="0" baseline="0" dirty="0" smtClean="0"/>
-              <a:t>within-cluster sum of squares</a:t>
+              <a:t>-and thus works to minimize within-cluster sum of squares</a:t>
             </a:r>
             <a:endParaRPr lang="en-US" dirty="0"/>
           </a:p>
@@ -1038,13 +1033,8 @@
           <a:p>
             <a:r>
               <a:rPr lang="en-US" baseline="0" dirty="0" smtClean="0"/>
-              <a:t>-update: cluster center is recalculated to the mean of the new cluster based on the </a:t>
-            </a:r>
-            <a:r>
-              <a:rPr lang="en-US" baseline="0" dirty="0" smtClean="0"/>
-              <a:t>assignment, so the cluster center is going to move</a:t>
-            </a:r>
-            <a:endParaRPr lang="en-US" baseline="0" dirty="0" smtClean="0"/>
+              <a:t>-update: cluster center is recalculated to the mean of the new cluster based on the assignment, so the cluster center is going to move</a:t>
+            </a:r>
           </a:p>
           <a:p>
             <a:r>
@@ -2267,7 +2257,7 @@
           <a:p>
             <a:fld id="{FE22A4DD-E822-7042-9D43-88CC10E25E8A}" type="datetimeFigureOut">
               <a:rPr lang="en-US" smtClean="0"/>
-              <a:t>8/19/14</a:t>
+              <a:t>8/30/14</a:t>
             </a:fld>
             <a:endParaRPr lang="en-US"/>
           </a:p>
@@ -2437,7 +2427,7 @@
           <a:p>
             <a:fld id="{FE22A4DD-E822-7042-9D43-88CC10E25E8A}" type="datetimeFigureOut">
               <a:rPr lang="en-US" smtClean="0"/>
-              <a:t>8/19/14</a:t>
+              <a:t>8/30/14</a:t>
             </a:fld>
             <a:endParaRPr lang="en-US"/>
           </a:p>
@@ -2617,7 +2607,7 @@
           <a:p>
             <a:fld id="{FE22A4DD-E822-7042-9D43-88CC10E25E8A}" type="datetimeFigureOut">
               <a:rPr lang="en-US" smtClean="0"/>
-              <a:t>8/19/14</a:t>
+              <a:t>8/30/14</a:t>
             </a:fld>
             <a:endParaRPr lang="en-US"/>
           </a:p>
@@ -2787,7 +2777,7 @@
           <a:p>
             <a:fld id="{FE22A4DD-E822-7042-9D43-88CC10E25E8A}" type="datetimeFigureOut">
               <a:rPr lang="en-US" smtClean="0"/>
-              <a:t>8/19/14</a:t>
+              <a:t>8/30/14</a:t>
             </a:fld>
             <a:endParaRPr lang="en-US"/>
           </a:p>
@@ -3033,7 +3023,7 @@
           <a:p>
             <a:fld id="{FE22A4DD-E822-7042-9D43-88CC10E25E8A}" type="datetimeFigureOut">
               <a:rPr lang="en-US" smtClean="0"/>
-              <a:t>8/19/14</a:t>
+              <a:t>8/30/14</a:t>
             </a:fld>
             <a:endParaRPr lang="en-US"/>
           </a:p>
@@ -3321,7 +3311,7 @@
           <a:p>
             <a:fld id="{FE22A4DD-E822-7042-9D43-88CC10E25E8A}" type="datetimeFigureOut">
               <a:rPr lang="en-US" smtClean="0"/>
-              <a:t>8/19/14</a:t>
+              <a:t>8/30/14</a:t>
             </a:fld>
             <a:endParaRPr lang="en-US"/>
           </a:p>
@@ -3743,7 +3733,7 @@
           <a:p>
             <a:fld id="{FE22A4DD-E822-7042-9D43-88CC10E25E8A}" type="datetimeFigureOut">
               <a:rPr lang="en-US" smtClean="0"/>
-              <a:t>8/19/14</a:t>
+              <a:t>8/30/14</a:t>
             </a:fld>
             <a:endParaRPr lang="en-US"/>
           </a:p>
@@ -3861,7 +3851,7 @@
           <a:p>
             <a:fld id="{FE22A4DD-E822-7042-9D43-88CC10E25E8A}" type="datetimeFigureOut">
               <a:rPr lang="en-US" smtClean="0"/>
-              <a:t>8/19/14</a:t>
+              <a:t>8/30/14</a:t>
             </a:fld>
             <a:endParaRPr lang="en-US"/>
           </a:p>
@@ -3956,7 +3946,7 @@
           <a:p>
             <a:fld id="{FE22A4DD-E822-7042-9D43-88CC10E25E8A}" type="datetimeFigureOut">
               <a:rPr lang="en-US" smtClean="0"/>
-              <a:t>8/19/14</a:t>
+              <a:t>8/30/14</a:t>
             </a:fld>
             <a:endParaRPr lang="en-US"/>
           </a:p>
@@ -4233,7 +4223,7 @@
           <a:p>
             <a:fld id="{FE22A4DD-E822-7042-9D43-88CC10E25E8A}" type="datetimeFigureOut">
               <a:rPr lang="en-US" smtClean="0"/>
-              <a:t>8/19/14</a:t>
+              <a:t>8/30/14</a:t>
             </a:fld>
             <a:endParaRPr lang="en-US"/>
           </a:p>
@@ -4486,7 +4476,7 @@
           <a:p>
             <a:fld id="{FE22A4DD-E822-7042-9D43-88CC10E25E8A}" type="datetimeFigureOut">
               <a:rPr lang="en-US" smtClean="0"/>
-              <a:t>8/19/14</a:t>
+              <a:t>8/30/14</a:t>
             </a:fld>
             <a:endParaRPr lang="en-US"/>
           </a:p>
@@ -4699,7 +4689,7 @@
           <a:p>
             <a:fld id="{FE22A4DD-E822-7042-9D43-88CC10E25E8A}" type="datetimeFigureOut">
               <a:rPr lang="en-US" smtClean="0"/>
-              <a:t>8/19/14</a:t>
+              <a:t>8/30/14</a:t>
             </a:fld>
             <a:endParaRPr lang="en-US"/>
           </a:p>

--- a/slides/9_kmeans.pptx
+++ b/slides/9_kmeans.pptx
@@ -5,22 +5,17 @@
     <p:sldMasterId id="2147483648" r:id="rId1"/>
   </p:sldMasterIdLst>
   <p:notesMasterIdLst>
-    <p:notesMasterId r:id="rId15"/>
+    <p:notesMasterId r:id="rId10"/>
   </p:notesMasterIdLst>
   <p:sldIdLst>
     <p:sldId id="256" r:id="rId2"/>
     <p:sldId id="258" r:id="rId3"/>
     <p:sldId id="259" r:id="rId4"/>
     <p:sldId id="260" r:id="rId5"/>
-    <p:sldId id="261" r:id="rId6"/>
-    <p:sldId id="262" r:id="rId7"/>
-    <p:sldId id="263" r:id="rId8"/>
-    <p:sldId id="264" r:id="rId9"/>
-    <p:sldId id="265" r:id="rId10"/>
-    <p:sldId id="266" r:id="rId11"/>
-    <p:sldId id="267" r:id="rId12"/>
-    <p:sldId id="268" r:id="rId13"/>
-    <p:sldId id="269" r:id="rId14"/>
+    <p:sldId id="262" r:id="rId6"/>
+    <p:sldId id="266" r:id="rId7"/>
+    <p:sldId id="265" r:id="rId8"/>
+    <p:sldId id="268" r:id="rId9"/>
   </p:sldIdLst>
   <p:sldSz cx="9144000" cy="6858000" type="screen4x3"/>
   <p:notesSz cx="6858000" cy="9144000"/>
@@ -204,7 +199,7 @@
           <a:p>
             <a:fld id="{EFB1E590-4EA5-9045-A7CA-7348C7F3529C}" type="datetimeFigureOut">
               <a:rPr lang="en-US" smtClean="0"/>
-              <a:t>8/30/14</a:t>
+              <a:t>9/4/14</a:t>
             </a:fld>
             <a:endParaRPr lang="en-US"/>
           </a:p>
@@ -733,250 +728,6 @@
 </p:notes>
 </file>
 
-<file path=ppt/notesSlides/notesSlide10.xml><?xml version="1.0" encoding="utf-8"?>
-<p:notes xmlns:a="http://schemas.openxmlformats.org/drawingml/2006/main" xmlns:r="http://schemas.openxmlformats.org/officeDocument/2006/relationships" xmlns:p="http://schemas.openxmlformats.org/presentationml/2006/main">
-  <p:cSld>
-    <p:spTree>
-      <p:nvGrpSpPr>
-        <p:cNvPr id="1" name=""/>
-        <p:cNvGrpSpPr/>
-        <p:nvPr/>
-      </p:nvGrpSpPr>
-      <p:grpSpPr>
-        <a:xfrm>
-          <a:off x="0" y="0"/>
-          <a:ext cx="0" cy="0"/>
-          <a:chOff x="0" y="0"/>
-          <a:chExt cx="0" cy="0"/>
-        </a:xfrm>
-      </p:grpSpPr>
-      <p:sp>
-        <p:nvSpPr>
-          <p:cNvPr id="2" name="Slide Image Placeholder 1"/>
-          <p:cNvSpPr>
-            <a:spLocks noGrp="1" noRot="1" noChangeAspect="1"/>
-          </p:cNvSpPr>
-          <p:nvPr>
-            <p:ph type="sldImg"/>
-          </p:nvPr>
-        </p:nvSpPr>
-        <p:spPr/>
-      </p:sp>
-      <p:sp>
-        <p:nvSpPr>
-          <p:cNvPr id="3" name="Notes Placeholder 2"/>
-          <p:cNvSpPr>
-            <a:spLocks noGrp="1"/>
-          </p:cNvSpPr>
-          <p:nvPr>
-            <p:ph type="body" idx="1"/>
-          </p:nvPr>
-        </p:nvSpPr>
-        <p:spPr/>
-        <p:txBody>
-          <a:bodyPr/>
-          <a:lstStyle/>
-          <a:p>
-            <a:r>
-              <a:rPr lang="en-US" dirty="0" smtClean="0"/>
-              <a:t>Unfortunately, there is no built-in function</a:t>
-            </a:r>
-            <a:r>
-              <a:rPr lang="en-US" baseline="0" dirty="0" smtClean="0"/>
-              <a:t> for this.</a:t>
-            </a:r>
-          </a:p>
-          <a:p>
-            <a:r>
-              <a:rPr lang="en-US" baseline="0" dirty="0" smtClean="0"/>
-              <a:t>We can use </a:t>
-            </a:r>
-            <a:r>
-              <a:rPr lang="en-US" baseline="0" dirty="0" err="1" smtClean="0"/>
-              <a:t>scipy</a:t>
-            </a:r>
-            <a:r>
-              <a:rPr lang="en-US" baseline="0" dirty="0" smtClean="0"/>
-              <a:t> and </a:t>
-            </a:r>
-            <a:r>
-              <a:rPr lang="en-US" baseline="0" dirty="0" err="1" smtClean="0"/>
-              <a:t>numpy</a:t>
-            </a:r>
-            <a:r>
-              <a:rPr lang="en-US" baseline="0" dirty="0" smtClean="0"/>
-              <a:t> to figure it out. Not going to walk you through every single line, but I’ll describe what’s going on. It’s on my </a:t>
-            </a:r>
-            <a:r>
-              <a:rPr lang="en-US" baseline="0" dirty="0" err="1" smtClean="0"/>
-              <a:t>github</a:t>
-            </a:r>
-            <a:endParaRPr lang="en-US" dirty="0"/>
-          </a:p>
-        </p:txBody>
-      </p:sp>
-      <p:sp>
-        <p:nvSpPr>
-          <p:cNvPr id="4" name="Slide Number Placeholder 3"/>
-          <p:cNvSpPr>
-            <a:spLocks noGrp="1"/>
-          </p:cNvSpPr>
-          <p:nvPr>
-            <p:ph type="sldNum" sz="quarter" idx="10"/>
-          </p:nvPr>
-        </p:nvSpPr>
-        <p:spPr/>
-        <p:txBody>
-          <a:bodyPr/>
-          <a:lstStyle/>
-          <a:p>
-            <a:fld id="{93745DF2-09A2-2B46-9CC6-CD5F9B8634DB}" type="slidenum">
-              <a:rPr lang="en-US" smtClean="0"/>
-              <a:t>11</a:t>
-            </a:fld>
-            <a:endParaRPr lang="en-US"/>
-          </a:p>
-        </p:txBody>
-      </p:sp>
-    </p:spTree>
-    <p:extLst>
-      <p:ext uri="{BB962C8B-B14F-4D97-AF65-F5344CB8AC3E}">
-        <p14:creationId xmlns:p14="http://schemas.microsoft.com/office/powerpoint/2010/main" val="2320360832"/>
-      </p:ext>
-    </p:extLst>
-  </p:cSld>
-  <p:clrMapOvr>
-    <a:masterClrMapping/>
-  </p:clrMapOvr>
-</p:notes>
-</file>
-
-<file path=ppt/notesSlides/notesSlide11.xml><?xml version="1.0" encoding="utf-8"?>
-<p:notes xmlns:a="http://schemas.openxmlformats.org/drawingml/2006/main" xmlns:r="http://schemas.openxmlformats.org/officeDocument/2006/relationships" xmlns:p="http://schemas.openxmlformats.org/presentationml/2006/main">
-  <p:cSld>
-    <p:spTree>
-      <p:nvGrpSpPr>
-        <p:cNvPr id="1" name=""/>
-        <p:cNvGrpSpPr/>
-        <p:nvPr/>
-      </p:nvGrpSpPr>
-      <p:grpSpPr>
-        <a:xfrm>
-          <a:off x="0" y="0"/>
-          <a:ext cx="0" cy="0"/>
-          <a:chOff x="0" y="0"/>
-          <a:chExt cx="0" cy="0"/>
-        </a:xfrm>
-      </p:grpSpPr>
-      <p:sp>
-        <p:nvSpPr>
-          <p:cNvPr id="2" name="Slide Image Placeholder 1"/>
-          <p:cNvSpPr>
-            <a:spLocks noGrp="1" noRot="1" noChangeAspect="1"/>
-          </p:cNvSpPr>
-          <p:nvPr>
-            <p:ph type="sldImg"/>
-          </p:nvPr>
-        </p:nvSpPr>
-        <p:spPr/>
-      </p:sp>
-      <p:sp>
-        <p:nvSpPr>
-          <p:cNvPr id="3" name="Notes Placeholder 2"/>
-          <p:cNvSpPr>
-            <a:spLocks noGrp="1"/>
-          </p:cNvSpPr>
-          <p:nvPr>
-            <p:ph type="body" idx="1"/>
-          </p:nvPr>
-        </p:nvSpPr>
-        <p:spPr/>
-        <p:txBody>
-          <a:bodyPr/>
-          <a:lstStyle/>
-          <a:p>
-            <a:pPr marL="0" marR="0" indent="0" algn="l" defTabSz="457200" rtl="0" eaLnBrk="1" fontAlgn="auto" latinLnBrk="0" hangingPunct="1">
-              <a:lnSpc>
-                <a:spcPct val="100000"/>
-              </a:lnSpc>
-              <a:spcBef>
-                <a:spcPts val="0"/>
-              </a:spcBef>
-              <a:spcAft>
-                <a:spcPts val="0"/>
-              </a:spcAft>
-              <a:buClrTx/>
-              <a:buSzTx/>
-              <a:buFontTx/>
-              <a:buNone/>
-              <a:tabLst/>
-              <a:defRPr/>
-            </a:pPr>
-            <a:r>
-              <a:rPr lang="en-US" dirty="0" smtClean="0"/>
-              <a:t>-We can do that by comparing their silhouette scores.</a:t>
-            </a:r>
-          </a:p>
-          <a:p>
-            <a:r>
-              <a:rPr lang="en-US" dirty="0" smtClean="0"/>
-              <a:t>-no ground</a:t>
-            </a:r>
-            <a:r>
-              <a:rPr lang="en-US" baseline="0" dirty="0" smtClean="0"/>
-              <a:t> truth: we don’t have anything to compare it to</a:t>
-            </a:r>
-            <a:endParaRPr lang="en-US" dirty="0" smtClean="0"/>
-          </a:p>
-          <a:p>
-            <a:r>
-              <a:rPr lang="en-US" dirty="0" smtClean="0"/>
-              <a:t>-SC: used when ground truth labels for the clusters aren’t known,</a:t>
-            </a:r>
-            <a:r>
-              <a:rPr lang="en-US" baseline="0" dirty="0" smtClean="0"/>
-              <a:t> like we have in our data here.</a:t>
-            </a:r>
-            <a:endParaRPr lang="en-US" dirty="0"/>
-          </a:p>
-        </p:txBody>
-      </p:sp>
-      <p:sp>
-        <p:nvSpPr>
-          <p:cNvPr id="4" name="Slide Number Placeholder 3"/>
-          <p:cNvSpPr>
-            <a:spLocks noGrp="1"/>
-          </p:cNvSpPr>
-          <p:nvPr>
-            <p:ph type="sldNum" sz="quarter" idx="10"/>
-          </p:nvPr>
-        </p:nvSpPr>
-        <p:spPr/>
-        <p:txBody>
-          <a:bodyPr/>
-          <a:lstStyle/>
-          <a:p>
-            <a:fld id="{93745DF2-09A2-2B46-9CC6-CD5F9B8634DB}" type="slidenum">
-              <a:rPr lang="en-US" smtClean="0"/>
-              <a:t>12</a:t>
-            </a:fld>
-            <a:endParaRPr lang="en-US"/>
-          </a:p>
-        </p:txBody>
-      </p:sp>
-    </p:spTree>
-    <p:extLst>
-      <p:ext uri="{BB962C8B-B14F-4D97-AF65-F5344CB8AC3E}">
-        <p14:creationId xmlns:p14="http://schemas.microsoft.com/office/powerpoint/2010/main" val="3791153502"/>
-      </p:ext>
-    </p:extLst>
-  </p:cSld>
-  <p:clrMapOvr>
-    <a:masterClrMapping/>
-  </p:clrMapOvr>
-</p:notes>
-</file>
-
 <file path=ppt/notesSlides/notesSlide2.xml><?xml version="1.0" encoding="utf-8"?>
 <p:notes xmlns:a="http://schemas.openxmlformats.org/drawingml/2006/main" xmlns:r="http://schemas.openxmlformats.org/officeDocument/2006/relationships" xmlns:p="http://schemas.openxmlformats.org/presentationml/2006/main">
   <p:cSld>
@@ -1237,11 +988,31 @@
           <a:p>
             <a:r>
               <a:rPr lang="en-US" dirty="0" smtClean="0"/>
-              <a:t>-local minimum: locally,</a:t>
+              <a:t>-non-normally</a:t>
             </a:r>
             <a:r>
               <a:rPr lang="en-US" baseline="0" dirty="0" smtClean="0"/>
-              <a:t> the minimum value, but may not be globally minimum, so may not be the minimum value in the dataset</a:t>
+              <a:t> distributed can skew</a:t>
+            </a:r>
+          </a:p>
+          <a:p>
+            <a:r>
+              <a:rPr lang="en-US" baseline="0" dirty="0" smtClean="0"/>
+              <a:t>-data that can’t be separated linearly may require another method (perhaps some kernel tricks)</a:t>
+            </a:r>
+          </a:p>
+          <a:p>
+            <a:r>
+              <a:rPr lang="en-US" baseline="0" dirty="0" smtClean="0"/>
+              <a:t>-let me say a few words about </a:t>
+            </a:r>
+            <a:r>
+              <a:rPr lang="en-US" baseline="0" dirty="0" err="1" smtClean="0"/>
+              <a:t>scikit</a:t>
+            </a:r>
+            <a:r>
+              <a:rPr lang="en-US" baseline="0" dirty="0" smtClean="0"/>
+              <a:t>-learn</a:t>
             </a:r>
             <a:endParaRPr lang="en-US" dirty="0"/>
           </a:p>
@@ -1273,7 +1044,7 @@
     </p:spTree>
     <p:extLst>
       <p:ext uri="{BB962C8B-B14F-4D97-AF65-F5344CB8AC3E}">
-        <p14:creationId xmlns:p14="http://schemas.microsoft.com/office/powerpoint/2010/main" val="3613481197"/>
+        <p14:creationId xmlns:p14="http://schemas.microsoft.com/office/powerpoint/2010/main" val="1473318759"/>
       </p:ext>
     </p:extLst>
   </p:cSld>
@@ -1329,32 +1100,70 @@
           <a:p>
             <a:r>
               <a:rPr lang="en-US" dirty="0" smtClean="0"/>
-              <a:t>-non-normally</a:t>
+              <a:t>-so, as you may have guessed, choosing k is the most important part of k-means clustering, </a:t>
+            </a:r>
+            <a:r>
+              <a:rPr lang="en-US" dirty="0" err="1" smtClean="0"/>
+              <a:t>bc</a:t>
             </a:r>
             <a:r>
               <a:rPr lang="en-US" baseline="0" dirty="0" smtClean="0"/>
-              <a:t> distributed can skew</a:t>
-            </a:r>
-          </a:p>
-          <a:p>
+              <a:t> if you do it wrong, your results won’t mean much</a:t>
+            </a:r>
+            <a:endParaRPr lang="en-US" dirty="0" smtClean="0"/>
+          </a:p>
+          <a:p>
+            <a:r>
+              <a:rPr lang="en-US" dirty="0" smtClean="0"/>
+              <a:t>-graph</a:t>
+            </a:r>
             <a:r>
               <a:rPr lang="en-US" baseline="0" dirty="0" smtClean="0"/>
-              <a:t>-data that can’t be separated linearly may require another method (perhaps some kernel tricks)</a:t>
-            </a:r>
-          </a:p>
-          <a:p>
+              <a:t> the variance: graph the percentage of variance explained against different values of k. at some point, values of k will stop significantly explaining variance.</a:t>
+            </a:r>
+          </a:p>
+          <a:p>
+            <a:r>
+              <a:rPr lang="en-US" dirty="0" smtClean="0"/>
+              <a:t>-information criterion: goodness of fit of an estimated statistical model</a:t>
+            </a:r>
+          </a:p>
+          <a:p>
+            <a:r>
+              <a:rPr lang="en-US" dirty="0" smtClean="0"/>
+              <a:t>-cross-</a:t>
+            </a:r>
+            <a:r>
+              <a:rPr lang="en-US" dirty="0" err="1" smtClean="0"/>
+              <a:t>val</a:t>
+            </a:r>
+            <a:r>
+              <a:rPr lang="en-US" dirty="0" smtClean="0"/>
+              <a:t>: much like cross </a:t>
+            </a:r>
+            <a:r>
+              <a:rPr lang="en-US" dirty="0" err="1" smtClean="0"/>
+              <a:t>val</a:t>
+            </a:r>
+            <a:r>
+              <a:rPr lang="en-US" dirty="0" smtClean="0"/>
+              <a:t> to test how accurate your model is, you can use cross-</a:t>
+            </a:r>
+            <a:r>
+              <a:rPr lang="en-US" dirty="0" err="1" smtClean="0"/>
+              <a:t>val</a:t>
+            </a:r>
+            <a:r>
+              <a:rPr lang="en-US" dirty="0" smtClean="0"/>
+              <a:t> to test different</a:t>
+            </a:r>
             <a:r>
               <a:rPr lang="en-US" baseline="0" dirty="0" smtClean="0"/>
-              <a:t>-let me say a few words about </a:t>
-            </a:r>
-            <a:r>
-              <a:rPr lang="en-US" baseline="0" dirty="0" err="1" smtClean="0"/>
-              <a:t>scikit</a:t>
-            </a:r>
-            <a:r>
-              <a:rPr lang="en-US" baseline="0" dirty="0" smtClean="0"/>
-              <a:t>-learn</a:t>
-            </a:r>
+              <a:t> values of k</a:t>
+            </a:r>
+            <a:endParaRPr lang="en-US" dirty="0" smtClean="0"/>
+          </a:p>
+          <a:p>
             <a:endParaRPr lang="en-US" dirty="0"/>
           </a:p>
         </p:txBody>
@@ -1385,7 +1194,7 @@
     </p:spTree>
     <p:extLst>
       <p:ext uri="{BB962C8B-B14F-4D97-AF65-F5344CB8AC3E}">
-        <p14:creationId xmlns:p14="http://schemas.microsoft.com/office/powerpoint/2010/main" val="1473318759"/>
+        <p14:creationId xmlns:p14="http://schemas.microsoft.com/office/powerpoint/2010/main" val="3312486999"/>
       </p:ext>
     </p:extLst>
   </p:cSld>
@@ -1439,6 +1248,62 @@
           <a:bodyPr/>
           <a:lstStyle/>
           <a:p>
+            <a:r>
+              <a:rPr lang="en-US" dirty="0" err="1" smtClean="0"/>
+              <a:t>N_clusters</a:t>
+            </a:r>
+            <a:r>
+              <a:rPr lang="en-US" dirty="0" smtClean="0"/>
+              <a:t>:</a:t>
+            </a:r>
+            <a:r>
+              <a:rPr lang="en-US" baseline="0" dirty="0" smtClean="0"/>
+              <a:t> 8 | </a:t>
+            </a:r>
+            <a:r>
+              <a:rPr lang="en-US" baseline="0" dirty="0" err="1" smtClean="0"/>
+              <a:t>max_iter</a:t>
+            </a:r>
+            <a:r>
+              <a:rPr lang="en-US" baseline="0" dirty="0" smtClean="0"/>
+              <a:t>: maximum number of iterations through algorithm in a single run. Defaults to 300. | </a:t>
+            </a:r>
+          </a:p>
+          <a:p>
+            <a:r>
+              <a:rPr lang="en-US" baseline="0" dirty="0" err="1" smtClean="0"/>
+              <a:t>N_jobs</a:t>
+            </a:r>
+            <a:r>
+              <a:rPr lang="en-US" baseline="0" dirty="0" smtClean="0"/>
+              <a:t>: parallel (haven’t done much but would be cool) | </a:t>
+            </a:r>
+            <a:r>
+              <a:rPr lang="en-US" baseline="0" dirty="0" err="1" smtClean="0"/>
+              <a:t>init</a:t>
+            </a:r>
+            <a:r>
+              <a:rPr lang="en-US" baseline="0" dirty="0" smtClean="0"/>
+              <a:t>: choosing cluster centers</a:t>
+            </a:r>
+          </a:p>
+          <a:p>
+            <a:r>
+              <a:rPr lang="en-US" baseline="0" dirty="0" smtClean="0"/>
+              <a:t>I’m going to talk about </a:t>
+            </a:r>
+            <a:r>
+              <a:rPr lang="en-US" baseline="0" dirty="0" err="1" smtClean="0"/>
+              <a:t>n_clusters</a:t>
+            </a:r>
+            <a:r>
+              <a:rPr lang="en-US" baseline="0" dirty="0" smtClean="0"/>
+              <a:t> and </a:t>
+            </a:r>
+            <a:r>
+              <a:rPr lang="en-US" baseline="0" dirty="0" err="1" smtClean="0"/>
+              <a:t>init</a:t>
+            </a:r>
             <a:endParaRPr lang="en-US" dirty="0"/>
           </a:p>
         </p:txBody>
@@ -1458,7 +1323,7 @@
           <a:bodyPr/>
           <a:lstStyle/>
           <a:p>
-            <a:fld id="{93745DF2-09A2-2B46-9CC6-CD5F9B8634DB}" type="slidenum">
+            <a:fld id="{8D04BBFF-A5E9-C340-B813-BAF36A5CB28B}" type="slidenum">
               <a:rPr lang="en-US" smtClean="0"/>
               <a:t>7</a:t>
             </a:fld>
@@ -1469,7 +1334,7 @@
     </p:spTree>
     <p:extLst>
       <p:ext uri="{BB962C8B-B14F-4D97-AF65-F5344CB8AC3E}">
-        <p14:creationId xmlns:p14="http://schemas.microsoft.com/office/powerpoint/2010/main" val="191206661"/>
+        <p14:creationId xmlns:p14="http://schemas.microsoft.com/office/powerpoint/2010/main" val="2994771627"/>
       </p:ext>
     </p:extLst>
   </p:cSld>
@@ -1542,211 +1407,30 @@
             </a:pPr>
             <a:r>
               <a:rPr lang="en-US" dirty="0" smtClean="0"/>
-              <a:t>Global active power: </a:t>
-            </a:r>
-            <a:r>
-              <a:rPr lang="en-US" sz="1200" kern="1200" dirty="0" smtClean="0">
-                <a:solidFill>
-                  <a:schemeClr val="tx1"/>
-                </a:solidFill>
-                <a:effectLst/>
-                <a:latin typeface="+mn-lt"/>
-                <a:ea typeface="+mn-ea"/>
-                <a:cs typeface="+mn-cs"/>
-              </a:rPr>
-              <a:t>household global minute-averaged active power (in kilowatts) || global reactive</a:t>
-            </a:r>
-            <a:r>
-              <a:rPr lang="en-US" sz="1200" kern="1200" baseline="0" dirty="0" smtClean="0">
-                <a:solidFill>
-                  <a:schemeClr val="tx1"/>
-                </a:solidFill>
-                <a:effectLst/>
-                <a:latin typeface="+mn-lt"/>
-                <a:ea typeface="+mn-ea"/>
-                <a:cs typeface="+mn-cs"/>
-              </a:rPr>
-              <a:t> power: </a:t>
-            </a:r>
-            <a:r>
-              <a:rPr lang="en-US" sz="1200" kern="1200" dirty="0" smtClean="0">
-                <a:solidFill>
-                  <a:schemeClr val="tx1"/>
-                </a:solidFill>
-                <a:effectLst/>
-                <a:latin typeface="+mn-lt"/>
-                <a:ea typeface="+mn-ea"/>
-                <a:cs typeface="+mn-cs"/>
-              </a:rPr>
-              <a:t>household global minute-averaged reactive power </a:t>
-            </a:r>
-            <a:r>
-              <a:rPr lang="en-US" sz="1200" kern="1200" dirty="0" err="1" smtClean="0">
-                <a:solidFill>
-                  <a:schemeClr val="tx1"/>
-                </a:solidFill>
-                <a:effectLst/>
-                <a:latin typeface="+mn-lt"/>
-                <a:ea typeface="+mn-ea"/>
-                <a:cs typeface="+mn-cs"/>
-              </a:rPr>
-              <a:t>kwts</a:t>
-            </a:r>
-            <a:endParaRPr lang="en-US" sz="1200" kern="1200" dirty="0" smtClean="0">
-              <a:solidFill>
-                <a:schemeClr val="tx1"/>
-              </a:solidFill>
-              <a:effectLst/>
-              <a:latin typeface="+mn-lt"/>
-              <a:ea typeface="+mn-ea"/>
-              <a:cs typeface="+mn-cs"/>
-            </a:endParaRPr>
-          </a:p>
-          <a:p>
-            <a:pPr marL="0" marR="0" indent="0" algn="l" defTabSz="457200" rtl="0" eaLnBrk="1" fontAlgn="auto" latinLnBrk="0" hangingPunct="1">
-              <a:lnSpc>
-                <a:spcPct val="100000"/>
-              </a:lnSpc>
-              <a:spcBef>
-                <a:spcPts val="0"/>
-              </a:spcBef>
-              <a:spcAft>
-                <a:spcPts val="0"/>
-              </a:spcAft>
-              <a:buClrTx/>
-              <a:buSzTx/>
-              <a:buFontTx/>
-              <a:buNone/>
-              <a:tabLst/>
-              <a:defRPr/>
-            </a:pPr>
-            <a:r>
-              <a:rPr lang="en-US" sz="1200" kern="1200" dirty="0" smtClean="0">
-                <a:solidFill>
-                  <a:schemeClr val="tx1"/>
-                </a:solidFill>
-                <a:effectLst/>
-                <a:latin typeface="+mn-lt"/>
-                <a:ea typeface="+mn-ea"/>
-                <a:cs typeface="+mn-cs"/>
-              </a:rPr>
-              <a:t>Voltage: minute-averaged</a:t>
-            </a:r>
-            <a:r>
-              <a:rPr lang="en-US" sz="1200" kern="1200" baseline="0" dirty="0" smtClean="0">
-                <a:solidFill>
-                  <a:schemeClr val="tx1"/>
-                </a:solidFill>
-                <a:effectLst/>
-                <a:latin typeface="+mn-lt"/>
-                <a:ea typeface="+mn-ea"/>
-                <a:cs typeface="+mn-cs"/>
-              </a:rPr>
-              <a:t> voltage in volts || </a:t>
-            </a:r>
-            <a:r>
-              <a:rPr lang="en-US" sz="1200" kern="1200" dirty="0" smtClean="0">
-                <a:solidFill>
-                  <a:schemeClr val="tx1"/>
-                </a:solidFill>
-                <a:effectLst/>
-                <a:latin typeface="+mn-lt"/>
-                <a:ea typeface="+mn-ea"/>
-                <a:cs typeface="+mn-cs"/>
-              </a:rPr>
-              <a:t>global</a:t>
-            </a:r>
-            <a:r>
-              <a:rPr lang="en-US" sz="1200" kern="1200" baseline="0" dirty="0" smtClean="0">
-                <a:solidFill>
-                  <a:schemeClr val="tx1"/>
-                </a:solidFill>
-                <a:effectLst/>
-                <a:latin typeface="+mn-lt"/>
-                <a:ea typeface="+mn-ea"/>
-                <a:cs typeface="+mn-cs"/>
-              </a:rPr>
-              <a:t> </a:t>
-            </a:r>
-            <a:r>
-              <a:rPr lang="en-US" sz="1200" kern="1200" dirty="0" smtClean="0">
-                <a:solidFill>
-                  <a:schemeClr val="tx1"/>
-                </a:solidFill>
-                <a:effectLst/>
-                <a:latin typeface="+mn-lt"/>
-                <a:ea typeface="+mn-ea"/>
-                <a:cs typeface="+mn-cs"/>
-              </a:rPr>
-              <a:t>intensity: household global minute-averaged current intensity (in amperes)</a:t>
-            </a:r>
-            <a:r>
-              <a:rPr lang="en-US" dirty="0" smtClean="0">
-                <a:effectLst/>
-              </a:rPr>
-              <a:t> </a:t>
-            </a:r>
-            <a:endParaRPr lang="en-US" sz="1200" kern="1200" dirty="0" smtClean="0">
-              <a:solidFill>
-                <a:schemeClr val="tx1"/>
-              </a:solidFill>
-              <a:effectLst/>
-              <a:latin typeface="+mn-lt"/>
-              <a:ea typeface="+mn-ea"/>
-              <a:cs typeface="+mn-cs"/>
-            </a:endParaRPr>
-          </a:p>
-          <a:p>
-            <a:pPr marL="0" marR="0" indent="0" algn="l" defTabSz="457200" rtl="0" eaLnBrk="1" fontAlgn="auto" latinLnBrk="0" hangingPunct="1">
-              <a:lnSpc>
-                <a:spcPct val="100000"/>
-              </a:lnSpc>
-              <a:spcBef>
-                <a:spcPts val="0"/>
-              </a:spcBef>
-              <a:spcAft>
-                <a:spcPts val="0"/>
-              </a:spcAft>
-              <a:buClrTx/>
-              <a:buSzTx/>
-              <a:buFontTx/>
-              <a:buNone/>
-              <a:tabLst/>
-              <a:defRPr/>
-            </a:pPr>
-            <a:r>
-              <a:rPr lang="en-US" sz="1200" kern="1200" dirty="0" smtClean="0">
-                <a:solidFill>
-                  <a:schemeClr val="tx1"/>
-                </a:solidFill>
-                <a:effectLst/>
-                <a:latin typeface="+mn-lt"/>
-                <a:ea typeface="+mn-ea"/>
-                <a:cs typeface="+mn-cs"/>
-              </a:rPr>
-              <a:t>Sub-metering: 1 kitchen,</a:t>
-            </a:r>
-            <a:r>
-              <a:rPr lang="en-US" sz="1200" kern="1200" baseline="0" dirty="0" smtClean="0">
-                <a:solidFill>
-                  <a:schemeClr val="tx1"/>
-                </a:solidFill>
-                <a:effectLst/>
-                <a:latin typeface="+mn-lt"/>
-                <a:ea typeface="+mn-ea"/>
-                <a:cs typeface="+mn-cs"/>
-              </a:rPr>
-              <a:t> 2 laundry room, 3 water-heater/air conditioner</a:t>
-            </a:r>
-            <a:endParaRPr lang="en-US" sz="1200" kern="1200" dirty="0" smtClean="0">
-              <a:solidFill>
-                <a:schemeClr val="tx1"/>
-              </a:solidFill>
-              <a:effectLst/>
-              <a:latin typeface="+mn-lt"/>
-              <a:ea typeface="+mn-ea"/>
-              <a:cs typeface="+mn-cs"/>
-            </a:endParaRPr>
+              <a:t>-We can do that by comparing their silhouette scores.</a:t>
+            </a:r>
+          </a:p>
+          <a:p>
+            <a:r>
+              <a:rPr lang="en-US" dirty="0" smtClean="0"/>
+              <a:t>-no ground</a:t>
+            </a:r>
+            <a:r>
+              <a:rPr lang="en-US" baseline="0" dirty="0" smtClean="0"/>
+              <a:t> truth: we don’t have anything to compare it to</a:t>
+            </a:r>
+            <a:endParaRPr lang="en-US" dirty="0" smtClean="0"/>
+          </a:p>
+          <a:p>
+            <a:r>
+              <a:rPr lang="en-US" dirty="0" smtClean="0"/>
+              <a:t>-SC: used when ground truth labels for the clusters aren’t known,</a:t>
+            </a:r>
+            <a:r>
+              <a:rPr lang="en-US" baseline="0" dirty="0" smtClean="0"/>
+              <a:t> like we have in our data here.</a:t>
+            </a:r>
+            <a:endParaRPr lang="en-US" dirty="0"/>
           </a:p>
         </p:txBody>
       </p:sp>
@@ -1776,297 +1460,7 @@
     </p:spTree>
     <p:extLst>
       <p:ext uri="{BB962C8B-B14F-4D97-AF65-F5344CB8AC3E}">
-        <p14:creationId xmlns:p14="http://schemas.microsoft.com/office/powerpoint/2010/main" val="201693210"/>
-      </p:ext>
-    </p:extLst>
-  </p:cSld>
-  <p:clrMapOvr>
-    <a:masterClrMapping/>
-  </p:clrMapOvr>
-</p:notes>
-</file>
-
-<file path=ppt/notesSlides/notesSlide8.xml><?xml version="1.0" encoding="utf-8"?>
-<p:notes xmlns:a="http://schemas.openxmlformats.org/drawingml/2006/main" xmlns:r="http://schemas.openxmlformats.org/officeDocument/2006/relationships" xmlns:p="http://schemas.openxmlformats.org/presentationml/2006/main">
-  <p:cSld>
-    <p:spTree>
-      <p:nvGrpSpPr>
-        <p:cNvPr id="1" name=""/>
-        <p:cNvGrpSpPr/>
-        <p:nvPr/>
-      </p:nvGrpSpPr>
-      <p:grpSpPr>
-        <a:xfrm>
-          <a:off x="0" y="0"/>
-          <a:ext cx="0" cy="0"/>
-          <a:chOff x="0" y="0"/>
-          <a:chExt cx="0" cy="0"/>
-        </a:xfrm>
-      </p:grpSpPr>
-      <p:sp>
-        <p:nvSpPr>
-          <p:cNvPr id="2" name="Slide Image Placeholder 1"/>
-          <p:cNvSpPr>
-            <a:spLocks noGrp="1" noRot="1" noChangeAspect="1"/>
-          </p:cNvSpPr>
-          <p:nvPr>
-            <p:ph type="sldImg"/>
-          </p:nvPr>
-        </p:nvSpPr>
-        <p:spPr/>
-      </p:sp>
-      <p:sp>
-        <p:nvSpPr>
-          <p:cNvPr id="3" name="Notes Placeholder 2"/>
-          <p:cNvSpPr>
-            <a:spLocks noGrp="1"/>
-          </p:cNvSpPr>
-          <p:nvPr>
-            <p:ph type="body" idx="1"/>
-          </p:nvPr>
-        </p:nvSpPr>
-        <p:spPr/>
-        <p:txBody>
-          <a:bodyPr/>
-          <a:lstStyle/>
-          <a:p>
-            <a:r>
-              <a:rPr lang="en-US" dirty="0" err="1" smtClean="0"/>
-              <a:t>N_clusters</a:t>
-            </a:r>
-            <a:r>
-              <a:rPr lang="en-US" dirty="0" smtClean="0"/>
-              <a:t>:</a:t>
-            </a:r>
-            <a:r>
-              <a:rPr lang="en-US" baseline="0" dirty="0" smtClean="0"/>
-              <a:t> 8 | </a:t>
-            </a:r>
-            <a:r>
-              <a:rPr lang="en-US" baseline="0" dirty="0" err="1" smtClean="0"/>
-              <a:t>max_iter</a:t>
-            </a:r>
-            <a:r>
-              <a:rPr lang="en-US" baseline="0" dirty="0" smtClean="0"/>
-              <a:t>: maximum number of iterations through algorithm in a single run. Defaults to 300. | </a:t>
-            </a:r>
-          </a:p>
-          <a:p>
-            <a:r>
-              <a:rPr lang="en-US" baseline="0" dirty="0" err="1" smtClean="0"/>
-              <a:t>N_jobs</a:t>
-            </a:r>
-            <a:r>
-              <a:rPr lang="en-US" baseline="0" dirty="0" smtClean="0"/>
-              <a:t>: parallel (haven’t done much but would be cool) | </a:t>
-            </a:r>
-            <a:r>
-              <a:rPr lang="en-US" baseline="0" dirty="0" err="1" smtClean="0"/>
-              <a:t>init</a:t>
-            </a:r>
-            <a:r>
-              <a:rPr lang="en-US" baseline="0" dirty="0" smtClean="0"/>
-              <a:t>: choosing cluster centers</a:t>
-            </a:r>
-          </a:p>
-          <a:p>
-            <a:r>
-              <a:rPr lang="en-US" baseline="0" dirty="0" smtClean="0"/>
-              <a:t>I’m going to talk about </a:t>
-            </a:r>
-            <a:r>
-              <a:rPr lang="en-US" baseline="0" dirty="0" err="1" smtClean="0"/>
-              <a:t>n_clusters</a:t>
-            </a:r>
-            <a:r>
-              <a:rPr lang="en-US" baseline="0" dirty="0" smtClean="0"/>
-              <a:t> and </a:t>
-            </a:r>
-            <a:r>
-              <a:rPr lang="en-US" baseline="0" dirty="0" err="1" smtClean="0"/>
-              <a:t>init</a:t>
-            </a:r>
-            <a:endParaRPr lang="en-US" dirty="0"/>
-          </a:p>
-        </p:txBody>
-      </p:sp>
-      <p:sp>
-        <p:nvSpPr>
-          <p:cNvPr id="4" name="Slide Number Placeholder 3"/>
-          <p:cNvSpPr>
-            <a:spLocks noGrp="1"/>
-          </p:cNvSpPr>
-          <p:nvPr>
-            <p:ph type="sldNum" sz="quarter" idx="10"/>
-          </p:nvPr>
-        </p:nvSpPr>
-        <p:spPr/>
-        <p:txBody>
-          <a:bodyPr/>
-          <a:lstStyle/>
-          <a:p>
-            <a:fld id="{8D04BBFF-A5E9-C340-B813-BAF36A5CB28B}" type="slidenum">
-              <a:rPr lang="en-US" smtClean="0"/>
-              <a:t>9</a:t>
-            </a:fld>
-            <a:endParaRPr lang="en-US"/>
-          </a:p>
-        </p:txBody>
-      </p:sp>
-    </p:spTree>
-    <p:extLst>
-      <p:ext uri="{BB962C8B-B14F-4D97-AF65-F5344CB8AC3E}">
-        <p14:creationId xmlns:p14="http://schemas.microsoft.com/office/powerpoint/2010/main" val="2994771627"/>
-      </p:ext>
-    </p:extLst>
-  </p:cSld>
-  <p:clrMapOvr>
-    <a:masterClrMapping/>
-  </p:clrMapOvr>
-</p:notes>
-</file>
-
-<file path=ppt/notesSlides/notesSlide9.xml><?xml version="1.0" encoding="utf-8"?>
-<p:notes xmlns:a="http://schemas.openxmlformats.org/drawingml/2006/main" xmlns:r="http://schemas.openxmlformats.org/officeDocument/2006/relationships" xmlns:p="http://schemas.openxmlformats.org/presentationml/2006/main">
-  <p:cSld>
-    <p:spTree>
-      <p:nvGrpSpPr>
-        <p:cNvPr id="1" name=""/>
-        <p:cNvGrpSpPr/>
-        <p:nvPr/>
-      </p:nvGrpSpPr>
-      <p:grpSpPr>
-        <a:xfrm>
-          <a:off x="0" y="0"/>
-          <a:ext cx="0" cy="0"/>
-          <a:chOff x="0" y="0"/>
-          <a:chExt cx="0" cy="0"/>
-        </a:xfrm>
-      </p:grpSpPr>
-      <p:sp>
-        <p:nvSpPr>
-          <p:cNvPr id="2" name="Slide Image Placeholder 1"/>
-          <p:cNvSpPr>
-            <a:spLocks noGrp="1" noRot="1" noChangeAspect="1"/>
-          </p:cNvSpPr>
-          <p:nvPr>
-            <p:ph type="sldImg"/>
-          </p:nvPr>
-        </p:nvSpPr>
-        <p:spPr/>
-      </p:sp>
-      <p:sp>
-        <p:nvSpPr>
-          <p:cNvPr id="3" name="Notes Placeholder 2"/>
-          <p:cNvSpPr>
-            <a:spLocks noGrp="1"/>
-          </p:cNvSpPr>
-          <p:nvPr>
-            <p:ph type="body" idx="1"/>
-          </p:nvPr>
-        </p:nvSpPr>
-        <p:spPr/>
-        <p:txBody>
-          <a:bodyPr/>
-          <a:lstStyle/>
-          <a:p>
-            <a:r>
-              <a:rPr lang="en-US" dirty="0" smtClean="0"/>
-              <a:t>-so, as you may have guessed, choosing k is the most important part of k-means clustering, </a:t>
-            </a:r>
-            <a:r>
-              <a:rPr lang="en-US" dirty="0" err="1" smtClean="0"/>
-              <a:t>bc</a:t>
-            </a:r>
-            <a:r>
-              <a:rPr lang="en-US" baseline="0" dirty="0" smtClean="0"/>
-              <a:t> if you do it wrong, your results won’t mean much</a:t>
-            </a:r>
-            <a:endParaRPr lang="en-US" dirty="0" smtClean="0"/>
-          </a:p>
-          <a:p>
-            <a:r>
-              <a:rPr lang="en-US" dirty="0" smtClean="0"/>
-              <a:t>-graph</a:t>
-            </a:r>
-            <a:r>
-              <a:rPr lang="en-US" baseline="0" dirty="0" smtClean="0"/>
-              <a:t> the variance: graph the percentage of variance explained against different values of k. at some point, values of k will stop significantly explaining variance.</a:t>
-            </a:r>
-          </a:p>
-          <a:p>
-            <a:r>
-              <a:rPr lang="en-US" dirty="0" smtClean="0"/>
-              <a:t>-information criterion: goodness of fit of an estimated statistical model</a:t>
-            </a:r>
-          </a:p>
-          <a:p>
-            <a:r>
-              <a:rPr lang="en-US" dirty="0" smtClean="0"/>
-              <a:t>-cross-</a:t>
-            </a:r>
-            <a:r>
-              <a:rPr lang="en-US" dirty="0" err="1" smtClean="0"/>
-              <a:t>val</a:t>
-            </a:r>
-            <a:r>
-              <a:rPr lang="en-US" dirty="0" smtClean="0"/>
-              <a:t>: much like cross </a:t>
-            </a:r>
-            <a:r>
-              <a:rPr lang="en-US" dirty="0" err="1" smtClean="0"/>
-              <a:t>val</a:t>
-            </a:r>
-            <a:r>
-              <a:rPr lang="en-US" dirty="0" smtClean="0"/>
-              <a:t> to test how accurate your model is, you can use cross-</a:t>
-            </a:r>
-            <a:r>
-              <a:rPr lang="en-US" dirty="0" err="1" smtClean="0"/>
-              <a:t>val</a:t>
-            </a:r>
-            <a:r>
-              <a:rPr lang="en-US" dirty="0" smtClean="0"/>
-              <a:t> to test different</a:t>
-            </a:r>
-            <a:r>
-              <a:rPr lang="en-US" baseline="0" dirty="0" smtClean="0"/>
-              <a:t> values of k</a:t>
-            </a:r>
-            <a:endParaRPr lang="en-US" dirty="0" smtClean="0"/>
-          </a:p>
-          <a:p>
-            <a:endParaRPr lang="en-US" dirty="0"/>
-          </a:p>
-        </p:txBody>
-      </p:sp>
-      <p:sp>
-        <p:nvSpPr>
-          <p:cNvPr id="4" name="Slide Number Placeholder 3"/>
-          <p:cNvSpPr>
-            <a:spLocks noGrp="1"/>
-          </p:cNvSpPr>
-          <p:nvPr>
-            <p:ph type="sldNum" sz="quarter" idx="10"/>
-          </p:nvPr>
-        </p:nvSpPr>
-        <p:spPr/>
-        <p:txBody>
-          <a:bodyPr/>
-          <a:lstStyle/>
-          <a:p>
-            <a:fld id="{93745DF2-09A2-2B46-9CC6-CD5F9B8634DB}" type="slidenum">
-              <a:rPr lang="en-US" smtClean="0"/>
-              <a:t>10</a:t>
-            </a:fld>
-            <a:endParaRPr lang="en-US"/>
-          </a:p>
-        </p:txBody>
-      </p:sp>
-    </p:spTree>
-    <p:extLst>
-      <p:ext uri="{BB962C8B-B14F-4D97-AF65-F5344CB8AC3E}">
-        <p14:creationId xmlns:p14="http://schemas.microsoft.com/office/powerpoint/2010/main" val="3312486999"/>
+        <p14:creationId xmlns:p14="http://schemas.microsoft.com/office/powerpoint/2010/main" val="3791153502"/>
       </p:ext>
     </p:extLst>
   </p:cSld>
@@ -2257,7 +1651,7 @@
           <a:p>
             <a:fld id="{FE22A4DD-E822-7042-9D43-88CC10E25E8A}" type="datetimeFigureOut">
               <a:rPr lang="en-US" smtClean="0"/>
-              <a:t>8/30/14</a:t>
+              <a:t>9/4/14</a:t>
             </a:fld>
             <a:endParaRPr lang="en-US"/>
           </a:p>
@@ -2427,7 +1821,7 @@
           <a:p>
             <a:fld id="{FE22A4DD-E822-7042-9D43-88CC10E25E8A}" type="datetimeFigureOut">
               <a:rPr lang="en-US" smtClean="0"/>
-              <a:t>8/30/14</a:t>
+              <a:t>9/4/14</a:t>
             </a:fld>
             <a:endParaRPr lang="en-US"/>
           </a:p>
@@ -2607,7 +2001,7 @@
           <a:p>
             <a:fld id="{FE22A4DD-E822-7042-9D43-88CC10E25E8A}" type="datetimeFigureOut">
               <a:rPr lang="en-US" smtClean="0"/>
-              <a:t>8/30/14</a:t>
+              <a:t>9/4/14</a:t>
             </a:fld>
             <a:endParaRPr lang="en-US"/>
           </a:p>
@@ -2777,7 +2171,7 @@
           <a:p>
             <a:fld id="{FE22A4DD-E822-7042-9D43-88CC10E25E8A}" type="datetimeFigureOut">
               <a:rPr lang="en-US" smtClean="0"/>
-              <a:t>8/30/14</a:t>
+              <a:t>9/4/14</a:t>
             </a:fld>
             <a:endParaRPr lang="en-US"/>
           </a:p>
@@ -3023,7 +2417,7 @@
           <a:p>
             <a:fld id="{FE22A4DD-E822-7042-9D43-88CC10E25E8A}" type="datetimeFigureOut">
               <a:rPr lang="en-US" smtClean="0"/>
-              <a:t>8/30/14</a:t>
+              <a:t>9/4/14</a:t>
             </a:fld>
             <a:endParaRPr lang="en-US"/>
           </a:p>
@@ -3311,7 +2705,7 @@
           <a:p>
             <a:fld id="{FE22A4DD-E822-7042-9D43-88CC10E25E8A}" type="datetimeFigureOut">
               <a:rPr lang="en-US" smtClean="0"/>
-              <a:t>8/30/14</a:t>
+              <a:t>9/4/14</a:t>
             </a:fld>
             <a:endParaRPr lang="en-US"/>
           </a:p>
@@ -3733,7 +3127,7 @@
           <a:p>
             <a:fld id="{FE22A4DD-E822-7042-9D43-88CC10E25E8A}" type="datetimeFigureOut">
               <a:rPr lang="en-US" smtClean="0"/>
-              <a:t>8/30/14</a:t>
+              <a:t>9/4/14</a:t>
             </a:fld>
             <a:endParaRPr lang="en-US"/>
           </a:p>
@@ -3851,7 +3245,7 @@
           <a:p>
             <a:fld id="{FE22A4DD-E822-7042-9D43-88CC10E25E8A}" type="datetimeFigureOut">
               <a:rPr lang="en-US" smtClean="0"/>
-              <a:t>8/30/14</a:t>
+              <a:t>9/4/14</a:t>
             </a:fld>
             <a:endParaRPr lang="en-US"/>
           </a:p>
@@ -3946,7 +3340,7 @@
           <a:p>
             <a:fld id="{FE22A4DD-E822-7042-9D43-88CC10E25E8A}" type="datetimeFigureOut">
               <a:rPr lang="en-US" smtClean="0"/>
-              <a:t>8/30/14</a:t>
+              <a:t>9/4/14</a:t>
             </a:fld>
             <a:endParaRPr lang="en-US"/>
           </a:p>
@@ -4223,7 +3617,7 @@
           <a:p>
             <a:fld id="{FE22A4DD-E822-7042-9D43-88CC10E25E8A}" type="datetimeFigureOut">
               <a:rPr lang="en-US" smtClean="0"/>
-              <a:t>8/30/14</a:t>
+              <a:t>9/4/14</a:t>
             </a:fld>
             <a:endParaRPr lang="en-US"/>
           </a:p>
@@ -4476,7 +3870,7 @@
           <a:p>
             <a:fld id="{FE22A4DD-E822-7042-9D43-88CC10E25E8A}" type="datetimeFigureOut">
               <a:rPr lang="en-US" smtClean="0"/>
-              <a:t>8/30/14</a:t>
+              <a:t>9/4/14</a:t>
             </a:fld>
             <a:endParaRPr lang="en-US"/>
           </a:p>
@@ -4689,7 +4083,7 @@
           <a:p>
             <a:fld id="{FE22A4DD-E822-7042-9D43-88CC10E25E8A}" type="datetimeFigureOut">
               <a:rPr lang="en-US" smtClean="0"/>
-              <a:t>8/30/14</a:t>
+              <a:t>9/4/14</a:t>
             </a:fld>
             <a:endParaRPr lang="en-US"/>
           </a:p>
@@ -5123,515 +4517,6 @@
 </p:sld>
 </file>
 
-<file path=ppt/slides/slide10.xml><?xml version="1.0" encoding="utf-8"?>
-<p:sld xmlns:a="http://schemas.openxmlformats.org/drawingml/2006/main" xmlns:r="http://schemas.openxmlformats.org/officeDocument/2006/relationships" xmlns:p="http://schemas.openxmlformats.org/presentationml/2006/main">
-  <p:cSld>
-    <p:spTree>
-      <p:nvGrpSpPr>
-        <p:cNvPr id="1" name=""/>
-        <p:cNvGrpSpPr/>
-        <p:nvPr/>
-      </p:nvGrpSpPr>
-      <p:grpSpPr>
-        <a:xfrm>
-          <a:off x="0" y="0"/>
-          <a:ext cx="0" cy="0"/>
-          <a:chOff x="0" y="0"/>
-          <a:chExt cx="0" cy="0"/>
-        </a:xfrm>
-      </p:grpSpPr>
-      <p:sp>
-        <p:nvSpPr>
-          <p:cNvPr id="2" name="Title 1"/>
-          <p:cNvSpPr>
-            <a:spLocks noGrp="1"/>
-          </p:cNvSpPr>
-          <p:nvPr>
-            <p:ph type="title"/>
-          </p:nvPr>
-        </p:nvSpPr>
-        <p:spPr/>
-        <p:txBody>
-          <a:bodyPr/>
-          <a:lstStyle/>
-          <a:p>
-            <a:r>
-              <a:rPr lang="en-US" dirty="0" err="1"/>
-              <a:t>n</a:t>
-            </a:r>
-            <a:r>
-              <a:rPr lang="en-US" dirty="0" err="1" smtClean="0"/>
-              <a:t>_clusters</a:t>
-            </a:r>
-            <a:r>
-              <a:rPr lang="en-US" dirty="0" smtClean="0"/>
-              <a:t>: choosing </a:t>
-            </a:r>
-            <a:r>
-              <a:rPr lang="en-US" i="1" dirty="0" smtClean="0"/>
-              <a:t>k</a:t>
-            </a:r>
-            <a:endParaRPr lang="en-US" dirty="0"/>
-          </a:p>
-        </p:txBody>
-      </p:sp>
-      <p:sp>
-        <p:nvSpPr>
-          <p:cNvPr id="3" name="Content Placeholder 2"/>
-          <p:cNvSpPr>
-            <a:spLocks noGrp="1"/>
-          </p:cNvSpPr>
-          <p:nvPr>
-            <p:ph idx="1"/>
-          </p:nvPr>
-        </p:nvSpPr>
-        <p:spPr/>
-        <p:txBody>
-          <a:bodyPr>
-            <a:normAutofit/>
-          </a:bodyPr>
-          <a:lstStyle/>
-          <a:p>
-            <a:r>
-              <a:rPr lang="en-US" sz="3200" dirty="0" smtClean="0"/>
-              <a:t>Graphing the variance</a:t>
-            </a:r>
-          </a:p>
-          <a:p>
-            <a:r>
-              <a:rPr lang="en-US" sz="3200" dirty="0" smtClean="0"/>
-              <a:t>Information criterion</a:t>
-            </a:r>
-          </a:p>
-          <a:p>
-            <a:r>
-              <a:rPr lang="en-US" sz="3200" dirty="0" smtClean="0"/>
-              <a:t>Cross-validation</a:t>
-            </a:r>
-          </a:p>
-        </p:txBody>
-      </p:sp>
-    </p:spTree>
-    <p:extLst>
-      <p:ext uri="{BB962C8B-B14F-4D97-AF65-F5344CB8AC3E}">
-        <p14:creationId xmlns:p14="http://schemas.microsoft.com/office/powerpoint/2010/main" val="2376844091"/>
-      </p:ext>
-    </p:extLst>
-  </p:cSld>
-  <p:clrMapOvr>
-    <a:masterClrMapping/>
-  </p:clrMapOvr>
-  <p:timing>
-    <p:tnLst>
-      <p:par>
-        <p:cTn xmlns:p14="http://schemas.microsoft.com/office/powerpoint/2010/main" id="1" dur="indefinite" restart="never" nodeType="tmRoot"/>
-      </p:par>
-    </p:tnLst>
-  </p:timing>
-</p:sld>
-</file>
-
-<file path=ppt/slides/slide11.xml><?xml version="1.0" encoding="utf-8"?>
-<p:sld xmlns:a="http://schemas.openxmlformats.org/drawingml/2006/main" xmlns:r="http://schemas.openxmlformats.org/officeDocument/2006/relationships" xmlns:p="http://schemas.openxmlformats.org/presentationml/2006/main">
-  <p:cSld>
-    <p:spTree>
-      <p:nvGrpSpPr>
-        <p:cNvPr id="1" name=""/>
-        <p:cNvGrpSpPr/>
-        <p:nvPr/>
-      </p:nvGrpSpPr>
-      <p:grpSpPr>
-        <a:xfrm>
-          <a:off x="0" y="0"/>
-          <a:ext cx="0" cy="0"/>
-          <a:chOff x="0" y="0"/>
-          <a:chExt cx="0" cy="0"/>
-        </a:xfrm>
-      </p:grpSpPr>
-      <p:sp>
-        <p:nvSpPr>
-          <p:cNvPr id="2" name="Title 1"/>
-          <p:cNvSpPr>
-            <a:spLocks noGrp="1"/>
-          </p:cNvSpPr>
-          <p:nvPr>
-            <p:ph type="title"/>
-          </p:nvPr>
-        </p:nvSpPr>
-        <p:spPr/>
-        <p:txBody>
-          <a:bodyPr/>
-          <a:lstStyle/>
-          <a:p>
-            <a:r>
-              <a:rPr lang="en-US" dirty="0" err="1"/>
-              <a:t>n_clusters</a:t>
-            </a:r>
-            <a:r>
-              <a:rPr lang="en-US" dirty="0"/>
-              <a:t>: </a:t>
-            </a:r>
-            <a:r>
-              <a:rPr lang="en-US" dirty="0" smtClean="0"/>
-              <a:t>choosing </a:t>
-            </a:r>
-            <a:r>
-              <a:rPr lang="en-US" i="1" dirty="0" smtClean="0"/>
-              <a:t>k</a:t>
-            </a:r>
-            <a:endParaRPr lang="en-US" dirty="0"/>
-          </a:p>
-        </p:txBody>
-      </p:sp>
-      <p:sp>
-        <p:nvSpPr>
-          <p:cNvPr id="3" name="Content Placeholder 2"/>
-          <p:cNvSpPr>
-            <a:spLocks noGrp="1"/>
-          </p:cNvSpPr>
-          <p:nvPr>
-            <p:ph idx="1"/>
-          </p:nvPr>
-        </p:nvSpPr>
-        <p:spPr/>
-        <p:txBody>
-          <a:bodyPr>
-            <a:normAutofit/>
-          </a:bodyPr>
-          <a:lstStyle/>
-          <a:p>
-            <a:r>
-              <a:rPr lang="en-US" sz="2800" dirty="0" smtClean="0"/>
-              <a:t>Graphing the variance</a:t>
-            </a:r>
-          </a:p>
-          <a:p>
-            <a:pPr lvl="1"/>
-            <a:r>
-              <a:rPr lang="en-US" sz="2400" dirty="0" smtClean="0"/>
-              <a:t>from </a:t>
-            </a:r>
-            <a:r>
-              <a:rPr lang="en-US" sz="2400" dirty="0" err="1" smtClean="0"/>
-              <a:t>scipy.spatial.distance</a:t>
-            </a:r>
-            <a:r>
-              <a:rPr lang="en-US" sz="2400" dirty="0" smtClean="0"/>
-              <a:t> import </a:t>
-            </a:r>
-            <a:r>
-              <a:rPr lang="en-US" sz="2400" dirty="0" err="1" smtClean="0"/>
-              <a:t>cdist</a:t>
-            </a:r>
-            <a:r>
-              <a:rPr lang="en-US" sz="2400" dirty="0" smtClean="0"/>
-              <a:t>, </a:t>
-            </a:r>
-            <a:r>
-              <a:rPr lang="en-US" sz="2400" dirty="0" err="1" smtClean="0"/>
-              <a:t>pdist</a:t>
-            </a:r>
-            <a:endParaRPr lang="en-US" sz="2400" dirty="0" smtClean="0"/>
-          </a:p>
-          <a:p>
-            <a:pPr lvl="1"/>
-            <a:r>
-              <a:rPr lang="en-US" sz="2400" dirty="0" err="1" smtClean="0"/>
-              <a:t>cdist</a:t>
-            </a:r>
-            <a:r>
-              <a:rPr lang="en-US" sz="2400" dirty="0" smtClean="0"/>
-              <a:t>: distance computation between sets of observations</a:t>
-            </a:r>
-          </a:p>
-          <a:p>
-            <a:pPr lvl="1"/>
-            <a:r>
-              <a:rPr lang="en-US" sz="2400" dirty="0" err="1" smtClean="0"/>
-              <a:t>pdist</a:t>
-            </a:r>
-            <a:r>
-              <a:rPr lang="en-US" sz="2400" dirty="0" smtClean="0"/>
-              <a:t>: pairwise distances between observations in the same set</a:t>
-            </a:r>
-            <a:endParaRPr lang="en-US" sz="2400" dirty="0"/>
-          </a:p>
-        </p:txBody>
-      </p:sp>
-    </p:spTree>
-    <p:extLst>
-      <p:ext uri="{BB962C8B-B14F-4D97-AF65-F5344CB8AC3E}">
-        <p14:creationId xmlns:p14="http://schemas.microsoft.com/office/powerpoint/2010/main" val="448537438"/>
-      </p:ext>
-    </p:extLst>
-  </p:cSld>
-  <p:clrMapOvr>
-    <a:masterClrMapping/>
-  </p:clrMapOvr>
-  <p:timing>
-    <p:tnLst>
-      <p:par>
-        <p:cTn xmlns:p14="http://schemas.microsoft.com/office/powerpoint/2010/main" id="1" dur="indefinite" restart="never" nodeType="tmRoot"/>
-      </p:par>
-    </p:tnLst>
-  </p:timing>
-</p:sld>
-</file>
-
-<file path=ppt/slides/slide12.xml><?xml version="1.0" encoding="utf-8"?>
-<p:sld xmlns:a="http://schemas.openxmlformats.org/drawingml/2006/main" xmlns:r="http://schemas.openxmlformats.org/officeDocument/2006/relationships" xmlns:p="http://schemas.openxmlformats.org/presentationml/2006/main">
-  <p:cSld>
-    <p:spTree>
-      <p:nvGrpSpPr>
-        <p:cNvPr id="1" name=""/>
-        <p:cNvGrpSpPr/>
-        <p:nvPr/>
-      </p:nvGrpSpPr>
-      <p:grpSpPr>
-        <a:xfrm>
-          <a:off x="0" y="0"/>
-          <a:ext cx="0" cy="0"/>
-          <a:chOff x="0" y="0"/>
-          <a:chExt cx="0" cy="0"/>
-        </a:xfrm>
-      </p:grpSpPr>
-      <p:sp>
-        <p:nvSpPr>
-          <p:cNvPr id="2" name="Title 1"/>
-          <p:cNvSpPr>
-            <a:spLocks noGrp="1"/>
-          </p:cNvSpPr>
-          <p:nvPr>
-            <p:ph type="title"/>
-          </p:nvPr>
-        </p:nvSpPr>
-        <p:spPr/>
-        <p:txBody>
-          <a:bodyPr/>
-          <a:lstStyle/>
-          <a:p>
-            <a:r>
-              <a:rPr lang="en-US" dirty="0" smtClean="0"/>
-              <a:t>Comparing results: silhouette score</a:t>
-            </a:r>
-            <a:endParaRPr lang="en-US" dirty="0"/>
-          </a:p>
-        </p:txBody>
-      </p:sp>
-      <p:sp>
-        <p:nvSpPr>
-          <p:cNvPr id="8" name="Content Placeholder 7"/>
-          <p:cNvSpPr>
-            <a:spLocks noGrp="1"/>
-          </p:cNvSpPr>
-          <p:nvPr>
-            <p:ph idx="1"/>
-          </p:nvPr>
-        </p:nvSpPr>
-        <p:spPr/>
-        <p:txBody>
-          <a:bodyPr>
-            <a:normAutofit/>
-          </a:bodyPr>
-          <a:lstStyle/>
-          <a:p>
-            <a:r>
-              <a:rPr lang="en-US" sz="2800" dirty="0" smtClean="0"/>
-              <a:t>Silhouette coefficient</a:t>
-            </a:r>
-          </a:p>
-          <a:p>
-            <a:pPr lvl="1"/>
-            <a:r>
-              <a:rPr lang="en-US" sz="2400" dirty="0" smtClean="0"/>
-              <a:t>No ground truth</a:t>
-            </a:r>
-          </a:p>
-          <a:p>
-            <a:pPr lvl="1"/>
-            <a:r>
-              <a:rPr lang="en-US" sz="2400" dirty="0" smtClean="0"/>
-              <a:t>Mean distance between an observation and all other points in its cluster</a:t>
-            </a:r>
-          </a:p>
-          <a:p>
-            <a:pPr lvl="1"/>
-            <a:r>
-              <a:rPr lang="en-US" sz="2400" dirty="0" smtClean="0"/>
-              <a:t>Mean distance between an observation and all other points in the </a:t>
-            </a:r>
-            <a:r>
-              <a:rPr lang="en-US" sz="2400" b="1" dirty="0" smtClean="0"/>
-              <a:t>next nearest</a:t>
-            </a:r>
-            <a:r>
-              <a:rPr lang="en-US" sz="2400" dirty="0" smtClean="0"/>
-              <a:t> cluster</a:t>
-            </a:r>
-          </a:p>
-          <a:p>
-            <a:r>
-              <a:rPr lang="en-US" sz="2800" dirty="0" smtClean="0"/>
-              <a:t>Silhouette score in </a:t>
-            </a:r>
-            <a:r>
-              <a:rPr lang="en-US" sz="2800" dirty="0" err="1" smtClean="0"/>
-              <a:t>scikit</a:t>
-            </a:r>
-            <a:r>
-              <a:rPr lang="en-US" sz="2800" dirty="0" smtClean="0"/>
-              <a:t>-learn</a:t>
-            </a:r>
-          </a:p>
-          <a:p>
-            <a:pPr lvl="1"/>
-            <a:r>
-              <a:rPr lang="en-US" sz="2400" dirty="0" smtClean="0"/>
-              <a:t>Mean of silhouette coefficient for all of the observations</a:t>
-            </a:r>
-          </a:p>
-          <a:p>
-            <a:pPr lvl="1"/>
-            <a:r>
-              <a:rPr lang="en-US" sz="2400" dirty="0" smtClean="0"/>
-              <a:t>Closer to 1, the better the fit</a:t>
-            </a:r>
-          </a:p>
-          <a:p>
-            <a:pPr lvl="1"/>
-            <a:r>
-              <a:rPr lang="en-US" sz="2400" dirty="0" smtClean="0"/>
-              <a:t>Large dataset == long time</a:t>
-            </a:r>
-            <a:endParaRPr lang="en-US" sz="2400" dirty="0"/>
-          </a:p>
-        </p:txBody>
-      </p:sp>
-    </p:spTree>
-    <p:extLst>
-      <p:ext uri="{BB962C8B-B14F-4D97-AF65-F5344CB8AC3E}">
-        <p14:creationId xmlns:p14="http://schemas.microsoft.com/office/powerpoint/2010/main" val="3467397805"/>
-      </p:ext>
-    </p:extLst>
-  </p:cSld>
-  <p:clrMapOvr>
-    <a:masterClrMapping/>
-  </p:clrMapOvr>
-  <p:timing>
-    <p:tnLst>
-      <p:par>
-        <p:cTn xmlns:p14="http://schemas.microsoft.com/office/powerpoint/2010/main" id="1" dur="indefinite" restart="never" nodeType="tmRoot"/>
-      </p:par>
-    </p:tnLst>
-  </p:timing>
-</p:sld>
-</file>
-
-<file path=ppt/slides/slide13.xml><?xml version="1.0" encoding="utf-8"?>
-<p:sld xmlns:a="http://schemas.openxmlformats.org/drawingml/2006/main" xmlns:r="http://schemas.openxmlformats.org/officeDocument/2006/relationships" xmlns:p="http://schemas.openxmlformats.org/presentationml/2006/main">
-  <p:cSld>
-    <p:spTree>
-      <p:nvGrpSpPr>
-        <p:cNvPr id="1" name=""/>
-        <p:cNvGrpSpPr/>
-        <p:nvPr/>
-      </p:nvGrpSpPr>
-      <p:grpSpPr>
-        <a:xfrm>
-          <a:off x="0" y="0"/>
-          <a:ext cx="0" cy="0"/>
-          <a:chOff x="0" y="0"/>
-          <a:chExt cx="0" cy="0"/>
-        </a:xfrm>
-      </p:grpSpPr>
-      <p:sp>
-        <p:nvSpPr>
-          <p:cNvPr id="2" name="Title 1"/>
-          <p:cNvSpPr>
-            <a:spLocks noGrp="1"/>
-          </p:cNvSpPr>
-          <p:nvPr>
-            <p:ph type="title"/>
-          </p:nvPr>
-        </p:nvSpPr>
-        <p:spPr/>
-        <p:txBody>
-          <a:bodyPr/>
-          <a:lstStyle/>
-          <a:p>
-            <a:r>
-              <a:rPr lang="en-US" dirty="0" smtClean="0"/>
-              <a:t>What does this tell us?</a:t>
-            </a:r>
-            <a:endParaRPr lang="en-US" dirty="0"/>
-          </a:p>
-        </p:txBody>
-      </p:sp>
-      <p:sp>
-        <p:nvSpPr>
-          <p:cNvPr id="3" name="Content Placeholder 2"/>
-          <p:cNvSpPr>
-            <a:spLocks noGrp="1"/>
-          </p:cNvSpPr>
-          <p:nvPr>
-            <p:ph idx="1"/>
-          </p:nvPr>
-        </p:nvSpPr>
-        <p:spPr/>
-        <p:txBody>
-          <a:bodyPr>
-            <a:normAutofit/>
-          </a:bodyPr>
-          <a:lstStyle/>
-          <a:p>
-            <a:r>
-              <a:rPr lang="en-US" sz="2800" dirty="0" smtClean="0"/>
-              <a:t>Patterns exist</a:t>
-            </a:r>
-          </a:p>
-          <a:p>
-            <a:r>
-              <a:rPr lang="en-US" sz="2800" dirty="0" smtClean="0"/>
-              <a:t>Groups of similar observations exist</a:t>
-            </a:r>
-          </a:p>
-          <a:p>
-            <a:r>
-              <a:rPr lang="en-US" sz="2800" dirty="0" smtClean="0"/>
-              <a:t>Sometimes, the defaults work</a:t>
-            </a:r>
-          </a:p>
-          <a:p>
-            <a:r>
-              <a:rPr lang="en-US" sz="2800" dirty="0" smtClean="0"/>
-              <a:t>We need more exploration!</a:t>
-            </a:r>
-          </a:p>
-          <a:p>
-            <a:endParaRPr lang="en-US" sz="2800" dirty="0"/>
-          </a:p>
-        </p:txBody>
-      </p:sp>
-    </p:spTree>
-    <p:extLst>
-      <p:ext uri="{BB962C8B-B14F-4D97-AF65-F5344CB8AC3E}">
-        <p14:creationId xmlns:p14="http://schemas.microsoft.com/office/powerpoint/2010/main" val="3487857782"/>
-      </p:ext>
-    </p:extLst>
-  </p:cSld>
-  <p:clrMapOvr>
-    <a:masterClrMapping/>
-  </p:clrMapOvr>
-  <p:timing>
-    <p:tnLst>
-      <p:par>
-        <p:cTn xmlns:p14="http://schemas.microsoft.com/office/powerpoint/2010/main" id="1" dur="indefinite" restart="never" nodeType="tmRoot"/>
-      </p:par>
-    </p:tnLst>
-  </p:timing>
-</p:sld>
-</file>
-
 <file path=ppt/slides/slide2.xml><?xml version="1.0" encoding="utf-8"?>
 <p:sld xmlns:a="http://schemas.openxmlformats.org/drawingml/2006/main" xmlns:r="http://schemas.openxmlformats.org/officeDocument/2006/relationships" xmlns:p="http://schemas.openxmlformats.org/presentationml/2006/main">
   <p:cSld>
@@ -5684,8 +4569,8 @@
         </p:nvSpPr>
         <p:spPr>
           <a:xfrm>
-            <a:off x="457200" y="1600200"/>
-            <a:ext cx="8229600" cy="1162136"/>
+            <a:off x="457200" y="1600199"/>
+            <a:ext cx="8229600" cy="4908079"/>
           </a:xfrm>
         </p:spPr>
         <p:txBody>
@@ -5695,131 +4580,51 @@
           <a:lstStyle/>
           <a:p>
             <a:r>
-              <a:rPr lang="en-US" sz="2800" dirty="0" smtClean="0"/>
+              <a:rPr lang="en-US" dirty="0" smtClean="0"/>
               <a:t>Formally: a method of vector quantization</a:t>
             </a:r>
           </a:p>
           <a:p>
             <a:r>
-              <a:rPr lang="en-US" sz="2800" dirty="0" smtClean="0"/>
+              <a:rPr lang="en-US" dirty="0" smtClean="0"/>
               <a:t>Partition space into </a:t>
             </a:r>
             <a:r>
-              <a:rPr lang="en-US" sz="2800" dirty="0" err="1" smtClean="0"/>
+              <a:rPr lang="en-US" dirty="0" err="1" smtClean="0"/>
               <a:t>Voronoi</a:t>
             </a:r>
             <a:r>
-              <a:rPr lang="en-US" sz="2800" dirty="0" smtClean="0"/>
-              <a:t> cells</a:t>
-            </a:r>
+              <a:rPr lang="en-US" dirty="0" smtClean="0"/>
+              <a:t> </a:t>
+            </a:r>
+            <a:r>
+              <a:rPr lang="en-US" dirty="0" smtClean="0"/>
+              <a:t>cells</a:t>
+            </a:r>
+          </a:p>
+          <a:p>
+            <a:r>
+              <a:rPr lang="en-US" dirty="0" smtClean="0"/>
+              <a:t>Separate samples into </a:t>
+            </a:r>
+            <a:r>
+              <a:rPr lang="en-US" i="1" dirty="0" smtClean="0"/>
+              <a:t>k </a:t>
+            </a:r>
+            <a:r>
+              <a:rPr lang="en-US" dirty="0" smtClean="0"/>
+              <a:t>groups of equal variance</a:t>
+            </a:r>
+            <a:endParaRPr lang="en-US" dirty="0" smtClean="0"/>
+          </a:p>
+          <a:p>
+            <a:endParaRPr lang="en-US" dirty="0" smtClean="0"/>
           </a:p>
           <a:p>
             <a:pPr marL="0" indent="0">
               <a:buNone/>
             </a:pPr>
-            <a:endParaRPr lang="en-US" sz="2800" dirty="0" smtClean="0"/>
-          </a:p>
-        </p:txBody>
-      </p:sp>
-      <p:pic>
-        <p:nvPicPr>
-          <p:cNvPr id="4" name="Picture 3" descr="Screen Shot 2014-04-29 at 4.02.22 PM.png"/>
-          <p:cNvPicPr>
-            <a:picLocks noChangeAspect="1"/>
-          </p:cNvPicPr>
-          <p:nvPr/>
-        </p:nvPicPr>
-        <p:blipFill>
-          <a:blip r:embed="rId3">
-            <a:extLst>
-              <a:ext uri="{28A0092B-C50C-407E-A947-70E740481C1C}">
-                <a14:useLocalDpi xmlns:a14="http://schemas.microsoft.com/office/drawing/2010/main" val="0"/>
-              </a:ext>
-            </a:extLst>
-          </a:blip>
-          <a:stretch>
-            <a:fillRect/>
-          </a:stretch>
-        </p:blipFill>
-        <p:spPr>
-          <a:xfrm>
-            <a:off x="3936902" y="2762336"/>
-            <a:ext cx="4749898" cy="3714664"/>
-          </a:xfrm>
-          <a:prstGeom prst="rect">
-            <a:avLst/>
-          </a:prstGeom>
-        </p:spPr>
-      </p:pic>
-      <p:sp>
-        <p:nvSpPr>
-          <p:cNvPr id="5" name="TextBox 4"/>
-          <p:cNvSpPr txBox="1"/>
-          <p:nvPr/>
-        </p:nvSpPr>
-        <p:spPr>
-          <a:xfrm>
-            <a:off x="457200" y="2663079"/>
-            <a:ext cx="3327409" cy="3194721"/>
-          </a:xfrm>
-          <a:prstGeom prst="rect">
-            <a:avLst/>
-          </a:prstGeom>
-          <a:noFill/>
-        </p:spPr>
-        <p:txBody>
-          <a:bodyPr wrap="square" rtlCol="0">
-            <a:spAutoFit/>
-          </a:bodyPr>
-          <a:lstStyle/>
-          <a:p>
-            <a:pPr marL="182880" indent="-182880">
-              <a:spcBef>
-                <a:spcPts val="672"/>
-              </a:spcBef>
-              <a:buClr>
-                <a:schemeClr val="accent1"/>
-              </a:buClr>
-              <a:buSzPct val="85000"/>
-              <a:buFont typeface="Arial"/>
-              <a:buChar char="•"/>
-            </a:pPr>
-            <a:r>
-              <a:rPr lang="en-US" sz="2800" dirty="0" smtClean="0"/>
-              <a:t>Separate samples into </a:t>
-            </a:r>
-            <a:r>
-              <a:rPr lang="en-US" sz="2800" i="1" dirty="0" smtClean="0"/>
-              <a:t>k </a:t>
-            </a:r>
-            <a:r>
-              <a:rPr lang="en-US" sz="2800" dirty="0" smtClean="0"/>
-              <a:t>groups of equal variance</a:t>
-            </a:r>
-          </a:p>
-          <a:p>
-            <a:pPr marL="182880" indent="-182880">
-              <a:spcBef>
-                <a:spcPts val="672"/>
-              </a:spcBef>
-              <a:buClr>
-                <a:schemeClr val="accent1"/>
-              </a:buClr>
-              <a:buSzPct val="85000"/>
-              <a:buFont typeface="Arial"/>
-              <a:buChar char="•"/>
-            </a:pPr>
-            <a:r>
-              <a:rPr lang="en-US" sz="2800" dirty="0" smtClean="0"/>
-              <a:t>Uses the Euclidean distance metric</a:t>
-            </a:r>
-          </a:p>
-          <a:p>
-            <a:pPr marL="285750" indent="-285750">
-              <a:buFont typeface="Arial"/>
-              <a:buChar char="•"/>
-            </a:pPr>
-            <a:endParaRPr lang="en-US" sz="2800" dirty="0"/>
+            <a:endParaRPr lang="en-US" dirty="0" smtClean="0"/>
           </a:p>
         </p:txBody>
       </p:sp>
@@ -5901,54 +4706,46 @@
           <a:lstStyle/>
           <a:p>
             <a:r>
-              <a:rPr lang="en-US" sz="2800" dirty="0" smtClean="0"/>
+              <a:rPr lang="en-US" dirty="0" smtClean="0"/>
               <a:t>Iterative refinement</a:t>
             </a:r>
           </a:p>
           <a:p>
             <a:r>
-              <a:rPr lang="en-US" sz="2800" dirty="0" smtClean="0"/>
-              <a:t>Three basic steps</a:t>
-            </a:r>
-          </a:p>
-          <a:p>
-            <a:r>
-              <a:rPr lang="en-US" sz="2800" dirty="0" smtClean="0"/>
-              <a:t>Step 1: Choose </a:t>
-            </a:r>
-            <a:r>
-              <a:rPr lang="en-US" sz="2800" i="1" dirty="0" smtClean="0"/>
+              <a:rPr lang="en-US" dirty="0" smtClean="0"/>
+              <a:t>Step </a:t>
+            </a:r>
+            <a:r>
+              <a:rPr lang="en-US" dirty="0" smtClean="0"/>
+              <a:t>1: Choose </a:t>
+            </a:r>
+            <a:r>
+              <a:rPr lang="en-US" i="1" dirty="0" smtClean="0"/>
               <a:t>k</a:t>
             </a:r>
           </a:p>
           <a:p>
             <a:r>
-              <a:rPr lang="en-US" sz="2800" dirty="0" smtClean="0"/>
+              <a:rPr lang="en-US" dirty="0" smtClean="0"/>
               <a:t>Iterate over:</a:t>
             </a:r>
           </a:p>
           <a:p>
             <a:pPr lvl="1"/>
             <a:r>
-              <a:rPr lang="en-US" sz="2400" dirty="0" smtClean="0"/>
+              <a:rPr lang="en-US" dirty="0" smtClean="0"/>
               <a:t>Step 2: Assignment</a:t>
             </a:r>
           </a:p>
           <a:p>
             <a:pPr lvl="1"/>
             <a:r>
-              <a:rPr lang="en-US" sz="2400" dirty="0" smtClean="0"/>
+              <a:rPr lang="en-US" dirty="0" smtClean="0"/>
               <a:t>Step 3: Update</a:t>
             </a:r>
           </a:p>
           <a:p>
-            <a:r>
-              <a:rPr lang="en-US" sz="2800" dirty="0" smtClean="0"/>
-              <a:t>Repeats until convergence has been reached</a:t>
-            </a:r>
-          </a:p>
-          <a:p>
-            <a:endParaRPr lang="en-US" sz="2800" dirty="0"/>
+            <a:endParaRPr lang="en-US" dirty="0"/>
           </a:p>
         </p:txBody>
       </p:sp>
@@ -6194,69 +4991,69 @@
           </a:bodyPr>
           <a:lstStyle/>
           <a:p>
-            <a:pPr marL="182880" lvl="1"/>
-            <a:r>
-              <a:rPr lang="en-US" sz="2800" dirty="0" smtClean="0"/>
+            <a:r>
+              <a:rPr lang="en-US" dirty="0" smtClean="0"/>
               <a:t>Advantages</a:t>
             </a:r>
-            <a:endParaRPr lang="en-US" dirty="0"/>
-          </a:p>
-          <a:p>
-            <a:pPr marL="457200" lvl="2"/>
-            <a:r>
-              <a:rPr lang="en-US" sz="2400" dirty="0" smtClean="0"/>
+          </a:p>
+          <a:p>
+            <a:pPr lvl="1"/>
+            <a:r>
+              <a:rPr lang="en-US" dirty="0"/>
               <a:t>Scales well</a:t>
             </a:r>
           </a:p>
           <a:p>
-            <a:pPr marL="457200" lvl="2"/>
-            <a:r>
-              <a:rPr lang="en-US" sz="2400" dirty="0" smtClean="0"/>
+            <a:pPr lvl="1"/>
+            <a:r>
+              <a:rPr lang="en-US" dirty="0" smtClean="0"/>
               <a:t>Efficient</a:t>
             </a:r>
           </a:p>
           <a:p>
-            <a:pPr marL="457200" lvl="2"/>
-            <a:r>
-              <a:rPr lang="en-US" sz="2400" dirty="0" smtClean="0"/>
+            <a:pPr lvl="1"/>
+            <a:r>
+              <a:rPr lang="en-US" dirty="0"/>
               <a:t>Will always converge</a:t>
             </a:r>
           </a:p>
           <a:p>
-            <a:pPr marL="182880" lvl="1"/>
-            <a:r>
-              <a:rPr lang="en-US" sz="2800" dirty="0" smtClean="0"/>
-              <a:t>Disadvantages</a:t>
-            </a:r>
-          </a:p>
-          <a:p>
-            <a:pPr marL="457200" lvl="2"/>
-            <a:r>
-              <a:rPr lang="en-US" sz="2400" dirty="0" smtClean="0"/>
-              <a:t>Choosing the wrong </a:t>
-            </a:r>
-            <a:r>
-              <a:rPr lang="en-US" sz="2400" i="1" dirty="0" smtClean="0"/>
-              <a:t>k</a:t>
-            </a:r>
-          </a:p>
-          <a:p>
-            <a:pPr marL="457200" lvl="2"/>
-            <a:r>
-              <a:rPr lang="en-US" sz="2400" dirty="0" smtClean="0"/>
-              <a:t>Convergence to local minimum</a:t>
-            </a:r>
-          </a:p>
-          <a:p>
-            <a:pPr marL="457200" lvl="2"/>
-            <a:endParaRPr lang="en-US" sz="2400" dirty="0"/>
+            <a:r>
+              <a:rPr lang="en-US" dirty="0"/>
+              <a:t>When to use</a:t>
+            </a:r>
+          </a:p>
+          <a:p>
+            <a:pPr lvl="1"/>
+            <a:r>
+              <a:rPr lang="en-US" dirty="0" smtClean="0"/>
+              <a:t>Normally </a:t>
+            </a:r>
+            <a:r>
+              <a:rPr lang="en-US" dirty="0"/>
+              <a:t>distributed data</a:t>
+            </a:r>
+          </a:p>
+          <a:p>
+            <a:pPr lvl="1"/>
+            <a:r>
+              <a:rPr lang="en-US" dirty="0" smtClean="0"/>
+              <a:t>Large </a:t>
+            </a:r>
+            <a:r>
+              <a:rPr lang="en-US" dirty="0"/>
+              <a:t>number of samples</a:t>
+            </a:r>
+          </a:p>
+          <a:p>
+            <a:endParaRPr lang="en-US" b="1" dirty="0" smtClean="0"/>
           </a:p>
         </p:txBody>
       </p:sp>
     </p:spTree>
     <p:extLst>
       <p:ext uri="{BB962C8B-B14F-4D97-AF65-F5344CB8AC3E}">
-        <p14:creationId xmlns:p14="http://schemas.microsoft.com/office/powerpoint/2010/main" val="2359043687"/>
+        <p14:creationId xmlns:p14="http://schemas.microsoft.com/office/powerpoint/2010/main" val="608054010"/>
       </p:ext>
     </p:extLst>
   </p:cSld>
@@ -6307,7 +5104,11 @@
           <a:p>
             <a:r>
               <a:rPr lang="en-US" dirty="0" smtClean="0"/>
-              <a:t>K-means clustering</a:t>
+              <a:t>Choosing </a:t>
+            </a:r>
+            <a:r>
+              <a:rPr lang="en-US" i="1" dirty="0" smtClean="0"/>
+              <a:t>k</a:t>
             </a:r>
             <a:endParaRPr lang="en-US" dirty="0"/>
           </a:p>
@@ -6331,29 +5132,20 @@
           <a:lstStyle/>
           <a:p>
             <a:r>
-              <a:rPr lang="en-US" sz="2800" dirty="0" smtClean="0"/>
-              <a:t>When to use</a:t>
-            </a:r>
-          </a:p>
-          <a:p>
-            <a:pPr lvl="1"/>
-            <a:r>
-              <a:rPr lang="en-US" sz="2400" dirty="0" smtClean="0"/>
-              <a:t>Normally distributed data</a:t>
-            </a:r>
-          </a:p>
-          <a:p>
-            <a:pPr lvl="1"/>
-            <a:r>
-              <a:rPr lang="en-US" sz="2400" dirty="0" smtClean="0"/>
-              <a:t>Large number of samples</a:t>
-            </a:r>
-          </a:p>
-          <a:p>
-            <a:pPr lvl="1"/>
-            <a:r>
-              <a:rPr lang="en-US" sz="2400" dirty="0" smtClean="0"/>
-              <a:t>Distance can be measured in a linear fashion</a:t>
+              <a:rPr lang="en-US" sz="3200" dirty="0" smtClean="0"/>
+              <a:t>Graphing the variance</a:t>
+            </a:r>
+          </a:p>
+          <a:p>
+            <a:r>
+              <a:rPr lang="en-US" sz="3200" dirty="0" smtClean="0"/>
+              <a:t>Information criterion</a:t>
+            </a:r>
+          </a:p>
+          <a:p>
+            <a:r>
+              <a:rPr lang="en-US" sz="3200" dirty="0" smtClean="0"/>
+              <a:t>Cross-validation</a:t>
             </a:r>
           </a:p>
         </p:txBody>
@@ -6361,7 +5153,7 @@
     </p:spTree>
     <p:extLst>
       <p:ext uri="{BB962C8B-B14F-4D97-AF65-F5344CB8AC3E}">
-        <p14:creationId xmlns:p14="http://schemas.microsoft.com/office/powerpoint/2010/main" val="608054010"/>
+        <p14:creationId xmlns:p14="http://schemas.microsoft.com/office/powerpoint/2010/main" val="2376844091"/>
       </p:ext>
     </p:extLst>
   </p:cSld>
@@ -6411,16 +5203,16 @@
           <a:lstStyle/>
           <a:p>
             <a:r>
+              <a:rPr lang="en-US" dirty="0"/>
+              <a:t>k</a:t>
+            </a:r>
+            <a:r>
               <a:rPr lang="en-US" dirty="0" smtClean="0"/>
-              <a:t>K-means in </a:t>
-            </a:r>
-            <a:r>
-              <a:rPr lang="en-US" dirty="0" err="1" smtClean="0"/>
-              <a:t>scikit</a:t>
+              <a:t>-</a:t>
             </a:r>
             <a:r>
               <a:rPr lang="en-US" dirty="0" smtClean="0"/>
-              <a:t>-learn</a:t>
+              <a:t>means parameters</a:t>
             </a:r>
             <a:endParaRPr lang="en-US" dirty="0"/>
           </a:p>
@@ -6436,7 +5228,12 @@
             <p:ph idx="1"/>
           </p:nvPr>
         </p:nvSpPr>
-        <p:spPr/>
+        <p:spPr>
+          <a:xfrm>
+            <a:off x="457200" y="1817054"/>
+            <a:ext cx="8229600" cy="4525963"/>
+          </a:xfrm>
+        </p:spPr>
         <p:txBody>
           <a:bodyPr>
             <a:normAutofit/>
@@ -6444,44 +5241,37 @@
           <a:lstStyle/>
           <a:p>
             <a:r>
-              <a:rPr lang="en-US" sz="2800" dirty="0" smtClean="0"/>
-              <a:t>Efficient and fast</a:t>
-            </a:r>
-          </a:p>
-          <a:p>
-            <a:r>
-              <a:rPr lang="en-US" sz="2800" dirty="0" smtClean="0"/>
-              <a:t>You: pick </a:t>
-            </a:r>
-            <a:r>
-              <a:rPr lang="en-US" sz="2800" i="1" dirty="0" smtClean="0"/>
-              <a:t>n </a:t>
-            </a:r>
-            <a:r>
-              <a:rPr lang="en-US" sz="2800" dirty="0" smtClean="0"/>
-              <a:t>clusters, </a:t>
-            </a:r>
-            <a:r>
-              <a:rPr lang="en-US" sz="2800" dirty="0" err="1" smtClean="0"/>
-              <a:t>kmeans</a:t>
-            </a:r>
-            <a:r>
-              <a:rPr lang="en-US" sz="2800" dirty="0" smtClean="0"/>
-              <a:t>: finds n initial centroids</a:t>
-            </a:r>
-          </a:p>
-          <a:p>
-            <a:r>
-              <a:rPr lang="en-US" sz="2800" dirty="0" smtClean="0"/>
-              <a:t>Run clustering jobs in parallel</a:t>
-            </a:r>
+              <a:rPr lang="en-US" sz="3200" dirty="0" err="1" smtClean="0"/>
+              <a:t>n_clusters</a:t>
+            </a:r>
+            <a:endParaRPr lang="en-US" sz="3200" dirty="0" smtClean="0"/>
+          </a:p>
+          <a:p>
+            <a:r>
+              <a:rPr lang="en-US" sz="3200" dirty="0" err="1" smtClean="0"/>
+              <a:t>max_iter</a:t>
+            </a:r>
+            <a:endParaRPr lang="en-US" sz="3200" dirty="0" smtClean="0"/>
+          </a:p>
+          <a:p>
+            <a:r>
+              <a:rPr lang="en-US" sz="3200" dirty="0" err="1" smtClean="0"/>
+              <a:t>n_init</a:t>
+            </a:r>
+            <a:endParaRPr lang="en-US" sz="3200" dirty="0" smtClean="0"/>
+          </a:p>
+          <a:p>
+            <a:pPr marL="0" indent="0">
+              <a:buNone/>
+            </a:pPr>
+            <a:endParaRPr lang="en-US" sz="3200" dirty="0"/>
           </a:p>
         </p:txBody>
       </p:sp>
     </p:spTree>
     <p:extLst>
       <p:ext uri="{BB962C8B-B14F-4D97-AF65-F5344CB8AC3E}">
-        <p14:creationId xmlns:p14="http://schemas.microsoft.com/office/powerpoint/2010/main" val="371283256"/>
+        <p14:creationId xmlns:p14="http://schemas.microsoft.com/office/powerpoint/2010/main" val="2788662403"/>
       </p:ext>
     </p:extLst>
   </p:cSld>
@@ -6532,7 +5322,7 @@
           <a:p>
             <a:r>
               <a:rPr lang="en-US" dirty="0" smtClean="0"/>
-              <a:t>Dataset</a:t>
+              <a:t>Comparing results: silhouette score</a:t>
             </a:r>
             <a:endParaRPr lang="en-US" dirty="0"/>
           </a:p>
@@ -6540,7 +5330,7 @@
       </p:sp>
       <p:sp>
         <p:nvSpPr>
-          <p:cNvPr id="3" name="Content Placeholder 2"/>
+          <p:cNvPr id="8" name="Content Placeholder 7"/>
           <p:cNvSpPr>
             <a:spLocks noGrp="1"/>
           </p:cNvSpPr>
@@ -6556,203 +5346,60 @@
           <a:lstStyle/>
           <a:p>
             <a:r>
-              <a:rPr lang="en-US" sz="2800" dirty="0" smtClean="0"/>
-              <a:t>University of California Machine Learning Repository</a:t>
-            </a:r>
-          </a:p>
-          <a:p>
-            <a:r>
-              <a:rPr lang="en-US" sz="2800" dirty="0" smtClean="0"/>
-              <a:t>Individual household power consumption</a:t>
-            </a:r>
-          </a:p>
-          <a:p>
-            <a:pPr marL="0" indent="0">
-              <a:buNone/>
-            </a:pPr>
-            <a:endParaRPr lang="en-US" sz="2800" dirty="0"/>
-          </a:p>
-        </p:txBody>
-      </p:sp>
-      <p:pic>
-        <p:nvPicPr>
-          <p:cNvPr id="4" name="Picture 3" descr="Screen Shot 2014-05-01 at 10.26.47 PM.png"/>
-          <p:cNvPicPr>
-            <a:picLocks noChangeAspect="1"/>
-          </p:cNvPicPr>
-          <p:nvPr/>
-        </p:nvPicPr>
-        <p:blipFill>
-          <a:blip r:embed="rId3">
-            <a:extLst>
-              <a:ext uri="{28A0092B-C50C-407E-A947-70E740481C1C}">
-                <a14:useLocalDpi xmlns:a14="http://schemas.microsoft.com/office/drawing/2010/main" val="0"/>
-              </a:ext>
-            </a:extLst>
-          </a:blip>
-          <a:stretch>
-            <a:fillRect/>
-          </a:stretch>
-        </p:blipFill>
-        <p:spPr>
-          <a:xfrm>
-            <a:off x="654475" y="3339528"/>
-            <a:ext cx="8229600" cy="2208518"/>
-          </a:xfrm>
-          <a:prstGeom prst="rect">
-            <a:avLst/>
-          </a:prstGeom>
-        </p:spPr>
-      </p:pic>
+              <a:rPr lang="en-US" dirty="0" smtClean="0"/>
+              <a:t>Silhouette coefficient</a:t>
+            </a:r>
+          </a:p>
+          <a:p>
+            <a:pPr lvl="1"/>
+            <a:r>
+              <a:rPr lang="en-US" dirty="0" smtClean="0"/>
+              <a:t>No ground truth</a:t>
+            </a:r>
+          </a:p>
+          <a:p>
+            <a:r>
+              <a:rPr lang="en-US" dirty="0" smtClean="0"/>
+              <a:t>Silhouette </a:t>
+            </a:r>
+            <a:r>
+              <a:rPr lang="en-US" dirty="0" smtClean="0"/>
+              <a:t>score in </a:t>
+            </a:r>
+            <a:r>
+              <a:rPr lang="en-US" dirty="0" err="1" smtClean="0"/>
+              <a:t>scikit</a:t>
+            </a:r>
+            <a:r>
+              <a:rPr lang="en-US" dirty="0" smtClean="0"/>
+              <a:t>-learn</a:t>
+            </a:r>
+          </a:p>
+          <a:p>
+            <a:pPr lvl="1"/>
+            <a:r>
+              <a:rPr lang="en-US" dirty="0" smtClean="0"/>
+              <a:t>Mean of silhouette coefficient for all of the observations</a:t>
+            </a:r>
+          </a:p>
+          <a:p>
+            <a:pPr lvl="1"/>
+            <a:r>
+              <a:rPr lang="en-US" dirty="0" smtClean="0"/>
+              <a:t>Closer to 1, the better the </a:t>
+            </a:r>
+            <a:r>
+              <a:rPr lang="en-US" dirty="0" smtClean="0"/>
+              <a:t>fit</a:t>
+            </a:r>
+            <a:endParaRPr lang="en-US" dirty="0" smtClean="0"/>
+          </a:p>
+        </p:txBody>
+      </p:sp>
     </p:spTree>
     <p:extLst>
       <p:ext uri="{BB962C8B-B14F-4D97-AF65-F5344CB8AC3E}">
-        <p14:creationId xmlns:p14="http://schemas.microsoft.com/office/powerpoint/2010/main" val="1003235386"/>
-      </p:ext>
-    </p:extLst>
-  </p:cSld>
-  <p:clrMapOvr>
-    <a:masterClrMapping/>
-  </p:clrMapOvr>
-  <p:timing>
-    <p:tnLst>
-      <p:par>
-        <p:cTn xmlns:p14="http://schemas.microsoft.com/office/powerpoint/2010/main" id="1" dur="indefinite" restart="never" nodeType="tmRoot"/>
-      </p:par>
-    </p:tnLst>
-  </p:timing>
-</p:sld>
-</file>
-
-<file path=ppt/slides/slide9.xml><?xml version="1.0" encoding="utf-8"?>
-<p:sld xmlns:a="http://schemas.openxmlformats.org/drawingml/2006/main" xmlns:r="http://schemas.openxmlformats.org/officeDocument/2006/relationships" xmlns:p="http://schemas.openxmlformats.org/presentationml/2006/main">
-  <p:cSld>
-    <p:spTree>
-      <p:nvGrpSpPr>
-        <p:cNvPr id="1" name=""/>
-        <p:cNvGrpSpPr/>
-        <p:nvPr/>
-      </p:nvGrpSpPr>
-      <p:grpSpPr>
-        <a:xfrm>
-          <a:off x="0" y="0"/>
-          <a:ext cx="0" cy="0"/>
-          <a:chOff x="0" y="0"/>
-          <a:chExt cx="0" cy="0"/>
-        </a:xfrm>
-      </p:grpSpPr>
-      <p:sp>
-        <p:nvSpPr>
-          <p:cNvPr id="2" name="Title 1"/>
-          <p:cNvSpPr>
-            <a:spLocks noGrp="1"/>
-          </p:cNvSpPr>
-          <p:nvPr>
-            <p:ph type="title"/>
-          </p:nvPr>
-        </p:nvSpPr>
-        <p:spPr/>
-        <p:txBody>
-          <a:bodyPr/>
-          <a:lstStyle/>
-          <a:p>
-            <a:r>
-              <a:rPr lang="en-US" dirty="0" smtClean="0"/>
-              <a:t>K-means parameters</a:t>
-            </a:r>
-            <a:endParaRPr lang="en-US" dirty="0"/>
-          </a:p>
-        </p:txBody>
-      </p:sp>
-      <p:sp>
-        <p:nvSpPr>
-          <p:cNvPr id="3" name="Content Placeholder 2"/>
-          <p:cNvSpPr>
-            <a:spLocks noGrp="1"/>
-          </p:cNvSpPr>
-          <p:nvPr>
-            <p:ph idx="1"/>
-          </p:nvPr>
-        </p:nvSpPr>
-        <p:spPr>
-          <a:xfrm>
-            <a:off x="457200" y="1817054"/>
-            <a:ext cx="8229600" cy="4525963"/>
-          </a:xfrm>
-        </p:spPr>
-        <p:txBody>
-          <a:bodyPr>
-            <a:normAutofit lnSpcReduction="10000"/>
-          </a:bodyPr>
-          <a:lstStyle/>
-          <a:p>
-            <a:r>
-              <a:rPr lang="en-US" sz="3200" dirty="0" err="1" smtClean="0"/>
-              <a:t>n_clusters</a:t>
-            </a:r>
-            <a:endParaRPr lang="en-US" sz="3200" dirty="0" smtClean="0"/>
-          </a:p>
-          <a:p>
-            <a:r>
-              <a:rPr lang="en-US" sz="3200" dirty="0" err="1" smtClean="0"/>
-              <a:t>max_iter</a:t>
-            </a:r>
-            <a:endParaRPr lang="en-US" sz="3200" dirty="0" smtClean="0"/>
-          </a:p>
-          <a:p>
-            <a:r>
-              <a:rPr lang="en-US" sz="3200" dirty="0" err="1" smtClean="0"/>
-              <a:t>n_init</a:t>
-            </a:r>
-            <a:endParaRPr lang="en-US" sz="3200" dirty="0" smtClean="0"/>
-          </a:p>
-          <a:p>
-            <a:r>
-              <a:rPr lang="en-US" sz="3200" dirty="0" err="1" smtClean="0"/>
-              <a:t>init</a:t>
-            </a:r>
-            <a:r>
-              <a:rPr lang="en-US" sz="3200" dirty="0" smtClean="0"/>
-              <a:t> </a:t>
-            </a:r>
-          </a:p>
-          <a:p>
-            <a:r>
-              <a:rPr lang="en-US" sz="3200" dirty="0" err="1" smtClean="0"/>
-              <a:t>precompute_distances</a:t>
-            </a:r>
-            <a:endParaRPr lang="en-US" sz="3200" dirty="0" smtClean="0"/>
-          </a:p>
-          <a:p>
-            <a:r>
-              <a:rPr lang="en-US" sz="3200" dirty="0" err="1" smtClean="0"/>
-              <a:t>tol</a:t>
-            </a:r>
-            <a:endParaRPr lang="en-US" sz="3200" dirty="0" smtClean="0"/>
-          </a:p>
-          <a:p>
-            <a:r>
-              <a:rPr lang="en-US" sz="3200" dirty="0" err="1" smtClean="0"/>
-              <a:t>n_jobs</a:t>
-            </a:r>
-            <a:endParaRPr lang="en-US" sz="3200" dirty="0" smtClean="0"/>
-          </a:p>
-          <a:p>
-            <a:r>
-              <a:rPr lang="en-US" sz="3200" dirty="0" err="1" smtClean="0"/>
-              <a:t>random_state</a:t>
-            </a:r>
-            <a:endParaRPr lang="en-US" sz="3200" dirty="0" smtClean="0"/>
-          </a:p>
-          <a:p>
-            <a:endParaRPr lang="en-US" sz="3200" dirty="0"/>
-          </a:p>
-        </p:txBody>
-      </p:sp>
-    </p:spTree>
-    <p:extLst>
-      <p:ext uri="{BB962C8B-B14F-4D97-AF65-F5344CB8AC3E}">
-        <p14:creationId xmlns:p14="http://schemas.microsoft.com/office/powerpoint/2010/main" val="2788662403"/>
+        <p14:creationId xmlns:p14="http://schemas.microsoft.com/office/powerpoint/2010/main" val="3467397805"/>
       </p:ext>
     </p:extLst>
   </p:cSld>

--- a/slides/9_kmeans.pptx
+++ b/slides/9_kmeans.pptx
@@ -199,7 +199,7 @@
           <a:p>
             <a:fld id="{EFB1E590-4EA5-9045-A7CA-7348C7F3529C}" type="datetimeFigureOut">
               <a:rPr lang="en-US" smtClean="0"/>
-              <a:t>9/4/14</a:t>
+              <a:t>9/5/14</a:t>
             </a:fld>
             <a:endParaRPr lang="en-US"/>
           </a:p>
@@ -1651,7 +1651,7 @@
           <a:p>
             <a:fld id="{FE22A4DD-E822-7042-9D43-88CC10E25E8A}" type="datetimeFigureOut">
               <a:rPr lang="en-US" smtClean="0"/>
-              <a:t>9/4/14</a:t>
+              <a:t>9/5/14</a:t>
             </a:fld>
             <a:endParaRPr lang="en-US"/>
           </a:p>
@@ -1821,7 +1821,7 @@
           <a:p>
             <a:fld id="{FE22A4DD-E822-7042-9D43-88CC10E25E8A}" type="datetimeFigureOut">
               <a:rPr lang="en-US" smtClean="0"/>
-              <a:t>9/4/14</a:t>
+              <a:t>9/5/14</a:t>
             </a:fld>
             <a:endParaRPr lang="en-US"/>
           </a:p>
@@ -2001,7 +2001,7 @@
           <a:p>
             <a:fld id="{FE22A4DD-E822-7042-9D43-88CC10E25E8A}" type="datetimeFigureOut">
               <a:rPr lang="en-US" smtClean="0"/>
-              <a:t>9/4/14</a:t>
+              <a:t>9/5/14</a:t>
             </a:fld>
             <a:endParaRPr lang="en-US"/>
           </a:p>
@@ -2171,7 +2171,7 @@
           <a:p>
             <a:fld id="{FE22A4DD-E822-7042-9D43-88CC10E25E8A}" type="datetimeFigureOut">
               <a:rPr lang="en-US" smtClean="0"/>
-              <a:t>9/4/14</a:t>
+              <a:t>9/5/14</a:t>
             </a:fld>
             <a:endParaRPr lang="en-US"/>
           </a:p>
@@ -2417,7 +2417,7 @@
           <a:p>
             <a:fld id="{FE22A4DD-E822-7042-9D43-88CC10E25E8A}" type="datetimeFigureOut">
               <a:rPr lang="en-US" smtClean="0"/>
-              <a:t>9/4/14</a:t>
+              <a:t>9/5/14</a:t>
             </a:fld>
             <a:endParaRPr lang="en-US"/>
           </a:p>
@@ -2705,7 +2705,7 @@
           <a:p>
             <a:fld id="{FE22A4DD-E822-7042-9D43-88CC10E25E8A}" type="datetimeFigureOut">
               <a:rPr lang="en-US" smtClean="0"/>
-              <a:t>9/4/14</a:t>
+              <a:t>9/5/14</a:t>
             </a:fld>
             <a:endParaRPr lang="en-US"/>
           </a:p>
@@ -3127,7 +3127,7 @@
           <a:p>
             <a:fld id="{FE22A4DD-E822-7042-9D43-88CC10E25E8A}" type="datetimeFigureOut">
               <a:rPr lang="en-US" smtClean="0"/>
-              <a:t>9/4/14</a:t>
+              <a:t>9/5/14</a:t>
             </a:fld>
             <a:endParaRPr lang="en-US"/>
           </a:p>
@@ -3245,7 +3245,7 @@
           <a:p>
             <a:fld id="{FE22A4DD-E822-7042-9D43-88CC10E25E8A}" type="datetimeFigureOut">
               <a:rPr lang="en-US" smtClean="0"/>
-              <a:t>9/4/14</a:t>
+              <a:t>9/5/14</a:t>
             </a:fld>
             <a:endParaRPr lang="en-US"/>
           </a:p>
@@ -3340,7 +3340,7 @@
           <a:p>
             <a:fld id="{FE22A4DD-E822-7042-9D43-88CC10E25E8A}" type="datetimeFigureOut">
               <a:rPr lang="en-US" smtClean="0"/>
-              <a:t>9/4/14</a:t>
+              <a:t>9/5/14</a:t>
             </a:fld>
             <a:endParaRPr lang="en-US"/>
           </a:p>
@@ -3617,7 +3617,7 @@
           <a:p>
             <a:fld id="{FE22A4DD-E822-7042-9D43-88CC10E25E8A}" type="datetimeFigureOut">
               <a:rPr lang="en-US" smtClean="0"/>
-              <a:t>9/4/14</a:t>
+              <a:t>9/5/14</a:t>
             </a:fld>
             <a:endParaRPr lang="en-US"/>
           </a:p>
@@ -3870,7 +3870,7 @@
           <a:p>
             <a:fld id="{FE22A4DD-E822-7042-9D43-88CC10E25E8A}" type="datetimeFigureOut">
               <a:rPr lang="en-US" smtClean="0"/>
-              <a:t>9/4/14</a:t>
+              <a:t>9/5/14</a:t>
             </a:fld>
             <a:endParaRPr lang="en-US"/>
           </a:p>
@@ -4083,7 +4083,7 @@
           <a:p>
             <a:fld id="{FE22A4DD-E822-7042-9D43-88CC10E25E8A}" type="datetimeFigureOut">
               <a:rPr lang="en-US" smtClean="0"/>
-              <a:t>9/4/14</a:t>
+              <a:t>9/5/14</a:t>
             </a:fld>
             <a:endParaRPr lang="en-US"/>
           </a:p>
@@ -4514,6 +4514,13 @@
   <p:clrMapOvr>
     <a:masterClrMapping/>
   </p:clrMapOvr>
+  <p:timing>
+    <p:tnLst>
+      <p:par>
+        <p:cTn xmlns:p14="http://schemas.microsoft.com/office/powerpoint/2010/main" id="1" dur="indefinite" restart="never" nodeType="tmRoot"/>
+      </p:par>
+    </p:tnLst>
+  </p:timing>
 </p:sld>
 </file>
 
@@ -4595,11 +4602,7 @@
             </a:r>
             <a:r>
               <a:rPr lang="en-US" dirty="0" smtClean="0"/>
-              <a:t> </a:t>
-            </a:r>
-            <a:r>
-              <a:rPr lang="en-US" dirty="0" smtClean="0"/>
-              <a:t>cells</a:t>
+              <a:t> cells</a:t>
             </a:r>
           </a:p>
           <a:p>
@@ -4615,7 +4618,6 @@
               <a:rPr lang="en-US" dirty="0" smtClean="0"/>
               <a:t>groups of equal variance</a:t>
             </a:r>
-            <a:endParaRPr lang="en-US" dirty="0" smtClean="0"/>
           </a:p>
           <a:p>
             <a:endParaRPr lang="en-US" dirty="0" smtClean="0"/>
@@ -4713,11 +4715,7 @@
           <a:p>
             <a:r>
               <a:rPr lang="en-US" dirty="0" smtClean="0"/>
-              <a:t>Step </a:t>
-            </a:r>
-            <a:r>
-              <a:rPr lang="en-US" dirty="0" smtClean="0"/>
-              <a:t>1: Choose </a:t>
+              <a:t>Step 1: Choose </a:t>
             </a:r>
             <a:r>
               <a:rPr lang="en-US" i="1" dirty="0" smtClean="0"/>
@@ -5208,11 +5206,7 @@
             </a:r>
             <a:r>
               <a:rPr lang="en-US" dirty="0" smtClean="0"/>
-              <a:t>-</a:t>
-            </a:r>
-            <a:r>
-              <a:rPr lang="en-US" dirty="0" smtClean="0"/>
-              <a:t>means parameters</a:t>
+              <a:t>-means parameters</a:t>
             </a:r>
             <a:endParaRPr lang="en-US" dirty="0"/>
           </a:p>
@@ -5256,7 +5250,7 @@
           <a:p>
             <a:r>
               <a:rPr lang="en-US" sz="3200" dirty="0" err="1" smtClean="0"/>
-              <a:t>n_init</a:t>
+              <a:t>init</a:t>
             </a:r>
             <a:endParaRPr lang="en-US" sz="3200" dirty="0" smtClean="0"/>
           </a:p>
@@ -5360,11 +5354,7 @@
           <a:p>
             <a:r>
               <a:rPr lang="en-US" dirty="0" smtClean="0"/>
-              <a:t>Silhouette </a:t>
-            </a:r>
-            <a:r>
-              <a:rPr lang="en-US" dirty="0" smtClean="0"/>
-              <a:t>score in </a:t>
+              <a:t>Silhouette score in </a:t>
             </a:r>
             <a:r>
               <a:rPr lang="en-US" dirty="0" err="1" smtClean="0"/>
@@ -5386,13 +5376,8 @@
             <a:pPr lvl="1"/>
             <a:r>
               <a:rPr lang="en-US" dirty="0" smtClean="0"/>
-              <a:t>Closer to 1, the better the </a:t>
-            </a:r>
-            <a:r>
-              <a:rPr lang="en-US" dirty="0" smtClean="0"/>
-              <a:t>fit</a:t>
-            </a:r>
-            <a:endParaRPr lang="en-US" dirty="0" smtClean="0"/>
+              <a:t>Closer to 1, the better the fit</a:t>
+            </a:r>
           </a:p>
         </p:txBody>
       </p:sp>
